--- a/Documentation/PowerPoint/Images.pptx
+++ b/Documentation/PowerPoint/Images.pptx
@@ -5348,10 +5348,10 @@
       </p:grpSpPr>
       <p:sp>
         <p:nvSpPr>
-          <p:cNvPr id="5" name="Oval 4">
-            <a:extLst>
-              <a:ext uri="{FF2B5EF4-FFF2-40B4-BE49-F238E27FC236}">
-                <a16:creationId xmlns:a16="http://schemas.microsoft.com/office/drawing/2014/main" id="{B09E90B5-296C-7EA7-529C-70287A194563}"/>
+          <p:cNvPr id="6" name="Oval 5">
+            <a:extLst>
+              <a:ext uri="{FF2B5EF4-FFF2-40B4-BE49-F238E27FC236}">
+                <a16:creationId xmlns:a16="http://schemas.microsoft.com/office/drawing/2014/main" id="{8F052885-BF90-6E31-C869-06F66795B1BF}"/>
               </a:ext>
             </a:extLst>
           </p:cNvPr>
@@ -5360,7 +5360,7 @@
         </p:nvSpPr>
         <p:spPr>
           <a:xfrm>
-            <a:off x="3865851" y="3641275"/>
+            <a:off x="5896592" y="3394703"/>
             <a:ext cx="437353" cy="414161"/>
           </a:xfrm>
           <a:prstGeom prst="ellipse">
@@ -5488,26 +5488,30 @@
             </a:lvl9pPr>
           </a:lstStyle>
           <a:p>
-            <a:pPr algn="ctr" defTabSz="696773"/>
-            <a:r>
-              <a:rPr lang="en-AU" sz="457">
+            <a:pPr algn="ctr" defTabSz="696773">
+              <a:tabLst>
+                <a:tab pos="228076" algn="l"/>
+              </a:tabLst>
+            </a:pPr>
+            <a:r>
+              <a:rPr lang="en-AU" sz="305">
                 <a:solidFill>
                   <a:srgbClr val="000000"/>
                 </a:solidFill>
                 <a:latin typeface="Okomito Next" pitchFamily="2" charset="77"/>
                 <a:cs typeface="Segoe UI Light" panose="020B0502040204020203" pitchFamily="34" charset="0"/>
               </a:rPr>
-              <a:t>Area</a:t>
+              <a:t>Parameter</a:t>
             </a:r>
           </a:p>
         </p:txBody>
       </p:sp>
       <p:sp>
         <p:nvSpPr>
-          <p:cNvPr id="6" name="Oval 5">
-            <a:extLst>
-              <a:ext uri="{FF2B5EF4-FFF2-40B4-BE49-F238E27FC236}">
-                <a16:creationId xmlns:a16="http://schemas.microsoft.com/office/drawing/2014/main" id="{8F052885-BF90-6E31-C869-06F66795B1BF}"/>
+          <p:cNvPr id="7" name="Oval 6">
+            <a:extLst>
+              <a:ext uri="{FF2B5EF4-FFF2-40B4-BE49-F238E27FC236}">
+                <a16:creationId xmlns:a16="http://schemas.microsoft.com/office/drawing/2014/main" id="{8F12D386-5866-B5DC-9AE3-50CCA12AAA7D}"/>
               </a:ext>
             </a:extLst>
           </p:cNvPr>
@@ -5516,7 +5520,7 @@
         </p:nvSpPr>
         <p:spPr>
           <a:xfrm>
-            <a:off x="5896592" y="3394703"/>
+            <a:off x="3612012" y="3521830"/>
             <a:ext cx="437353" cy="414161"/>
           </a:xfrm>
           <a:prstGeom prst="ellipse">
@@ -5644,30 +5648,404 @@
             </a:lvl9pPr>
           </a:lstStyle>
           <a:p>
-            <a:pPr algn="ctr" defTabSz="696773">
-              <a:tabLst>
-                <a:tab pos="228076" algn="l"/>
-              </a:tabLst>
-            </a:pPr>
-            <a:r>
-              <a:rPr lang="en-AU" sz="305">
+            <a:pPr algn="ctr" defTabSz="696773"/>
+            <a:r>
+              <a:rPr lang="en-AU" sz="457">
                 <a:solidFill>
                   <a:srgbClr val="000000"/>
                 </a:solidFill>
                 <a:latin typeface="Okomito Next" pitchFamily="2" charset="77"/>
                 <a:cs typeface="Segoe UI Light" panose="020B0502040204020203" pitchFamily="34" charset="0"/>
               </a:rPr>
-              <a:t>Parameter</a:t>
+              <a:t>Layer</a:t>
             </a:r>
           </a:p>
         </p:txBody>
       </p:sp>
+      <p:cxnSp>
+        <p:nvCxnSpPr>
+          <p:cNvPr id="9" name="Straight Connector 8">
+            <a:extLst>
+              <a:ext uri="{FF2B5EF4-FFF2-40B4-BE49-F238E27FC236}">
+                <a16:creationId xmlns:a16="http://schemas.microsoft.com/office/drawing/2014/main" id="{4B639B7B-2C8E-88B6-9A39-CF47AF591CD1}"/>
+              </a:ext>
+            </a:extLst>
+          </p:cNvPr>
+          <p:cNvCxnSpPr>
+            <a:cxnSpLocks/>
+          </p:cNvCxnSpPr>
+          <p:nvPr/>
+        </p:nvCxnSpPr>
+        <p:spPr>
+          <a:xfrm>
+            <a:off x="3835450" y="3935991"/>
+            <a:ext cx="0" cy="156923"/>
+          </a:xfrm>
+          <a:prstGeom prst="line">
+            <a:avLst/>
+          </a:prstGeom>
+          <a:ln>
+            <a:solidFill>
+              <a:schemeClr val="tx1">
+                <a:lumMod val="50000"/>
+                <a:lumOff val="50000"/>
+              </a:schemeClr>
+            </a:solidFill>
+          </a:ln>
+          <a:effectLst/>
+        </p:spPr>
+        <p:style>
+          <a:lnRef idx="2">
+            <a:schemeClr val="accent1"/>
+          </a:lnRef>
+          <a:fillRef idx="0">
+            <a:schemeClr val="accent1"/>
+          </a:fillRef>
+          <a:effectRef idx="1">
+            <a:schemeClr val="accent1"/>
+          </a:effectRef>
+          <a:fontRef idx="minor">
+            <a:schemeClr val="tx1"/>
+          </a:fontRef>
+        </p:style>
+      </p:cxnSp>
+      <p:cxnSp>
+        <p:nvCxnSpPr>
+          <p:cNvPr id="10" name="Straight Connector 9">
+            <a:extLst>
+              <a:ext uri="{FF2B5EF4-FFF2-40B4-BE49-F238E27FC236}">
+                <a16:creationId xmlns:a16="http://schemas.microsoft.com/office/drawing/2014/main" id="{A58D0D3F-D769-652A-A630-85A2142E4123}"/>
+              </a:ext>
+            </a:extLst>
+          </p:cNvPr>
+          <p:cNvCxnSpPr>
+            <a:cxnSpLocks/>
+          </p:cNvCxnSpPr>
+          <p:nvPr/>
+        </p:nvCxnSpPr>
+        <p:spPr>
+          <a:xfrm>
+            <a:off x="4049365" y="4299995"/>
+            <a:ext cx="348098" cy="161"/>
+          </a:xfrm>
+          <a:prstGeom prst="line">
+            <a:avLst/>
+          </a:prstGeom>
+          <a:ln>
+            <a:solidFill>
+              <a:schemeClr val="tx1">
+                <a:lumMod val="50000"/>
+                <a:lumOff val="50000"/>
+              </a:schemeClr>
+            </a:solidFill>
+          </a:ln>
+          <a:effectLst/>
+        </p:spPr>
+        <p:style>
+          <a:lnRef idx="2">
+            <a:schemeClr val="accent1"/>
+          </a:lnRef>
+          <a:fillRef idx="0">
+            <a:schemeClr val="accent1"/>
+          </a:fillRef>
+          <a:effectRef idx="1">
+            <a:schemeClr val="accent1"/>
+          </a:effectRef>
+          <a:fontRef idx="minor">
+            <a:schemeClr val="tx1"/>
+          </a:fontRef>
+        </p:style>
+      </p:cxnSp>
+      <p:cxnSp>
+        <p:nvCxnSpPr>
+          <p:cNvPr id="11" name="Straight Connector 10">
+            <a:extLst>
+              <a:ext uri="{FF2B5EF4-FFF2-40B4-BE49-F238E27FC236}">
+                <a16:creationId xmlns:a16="http://schemas.microsoft.com/office/drawing/2014/main" id="{DC21362F-E108-BCD6-7F03-E6EFAA294620}"/>
+              </a:ext>
+            </a:extLst>
+          </p:cNvPr>
+          <p:cNvCxnSpPr>
+            <a:cxnSpLocks/>
+          </p:cNvCxnSpPr>
+          <p:nvPr/>
+        </p:nvCxnSpPr>
+        <p:spPr>
+          <a:xfrm>
+            <a:off x="4879360" y="3147065"/>
+            <a:ext cx="166228" cy="253590"/>
+          </a:xfrm>
+          <a:prstGeom prst="line">
+            <a:avLst/>
+          </a:prstGeom>
+          <a:ln>
+            <a:solidFill>
+              <a:schemeClr val="tx1">
+                <a:lumMod val="50000"/>
+                <a:lumOff val="50000"/>
+              </a:schemeClr>
+            </a:solidFill>
+          </a:ln>
+          <a:effectLst/>
+        </p:spPr>
+        <p:style>
+          <a:lnRef idx="2">
+            <a:schemeClr val="accent1"/>
+          </a:lnRef>
+          <a:fillRef idx="0">
+            <a:schemeClr val="accent1"/>
+          </a:fillRef>
+          <a:effectRef idx="1">
+            <a:schemeClr val="accent1"/>
+          </a:effectRef>
+          <a:fontRef idx="minor">
+            <a:schemeClr val="tx1"/>
+          </a:fontRef>
+        </p:style>
+      </p:cxnSp>
+      <p:cxnSp>
+        <p:nvCxnSpPr>
+          <p:cNvPr id="12" name="Straight Connector 11">
+            <a:extLst>
+              <a:ext uri="{FF2B5EF4-FFF2-40B4-BE49-F238E27FC236}">
+                <a16:creationId xmlns:a16="http://schemas.microsoft.com/office/drawing/2014/main" id="{57C408AB-6293-CEED-C0B6-CCC4B818A1DD}"/>
+              </a:ext>
+            </a:extLst>
+          </p:cNvPr>
+          <p:cNvCxnSpPr>
+            <a:cxnSpLocks/>
+          </p:cNvCxnSpPr>
+          <p:nvPr/>
+        </p:nvCxnSpPr>
+        <p:spPr>
+          <a:xfrm flipH="1">
+            <a:off x="4877848" y="3788713"/>
+            <a:ext cx="158282" cy="221651"/>
+          </a:xfrm>
+          <a:prstGeom prst="line">
+            <a:avLst/>
+          </a:prstGeom>
+          <a:ln>
+            <a:solidFill>
+              <a:schemeClr val="tx1">
+                <a:lumMod val="50000"/>
+                <a:lumOff val="50000"/>
+              </a:schemeClr>
+            </a:solidFill>
+          </a:ln>
+          <a:effectLst/>
+        </p:spPr>
+        <p:style>
+          <a:lnRef idx="2">
+            <a:schemeClr val="accent1"/>
+          </a:lnRef>
+          <a:fillRef idx="0">
+            <a:schemeClr val="accent1"/>
+          </a:fillRef>
+          <a:effectRef idx="1">
+            <a:schemeClr val="accent1"/>
+          </a:effectRef>
+          <a:fontRef idx="minor">
+            <a:schemeClr val="tx1"/>
+          </a:fontRef>
+        </p:style>
+      </p:cxnSp>
+      <p:cxnSp>
+        <p:nvCxnSpPr>
+          <p:cNvPr id="13" name="Straight Connector 12">
+            <a:extLst>
+              <a:ext uri="{FF2B5EF4-FFF2-40B4-BE49-F238E27FC236}">
+                <a16:creationId xmlns:a16="http://schemas.microsoft.com/office/drawing/2014/main" id="{641C8D5B-C8B3-911F-8ED5-2A1CDD31507B}"/>
+              </a:ext>
+            </a:extLst>
+          </p:cNvPr>
+          <p:cNvCxnSpPr>
+            <a:cxnSpLocks/>
+          </p:cNvCxnSpPr>
+          <p:nvPr/>
+        </p:nvCxnSpPr>
+        <p:spPr>
+          <a:xfrm>
+            <a:off x="5053635" y="2973631"/>
+            <a:ext cx="413018" cy="148475"/>
+          </a:xfrm>
+          <a:prstGeom prst="line">
+            <a:avLst/>
+          </a:prstGeom>
+          <a:ln>
+            <a:solidFill>
+              <a:schemeClr val="tx1">
+                <a:lumMod val="50000"/>
+                <a:lumOff val="50000"/>
+              </a:schemeClr>
+            </a:solidFill>
+          </a:ln>
+          <a:effectLst/>
+        </p:spPr>
+        <p:style>
+          <a:lnRef idx="2">
+            <a:schemeClr val="accent1"/>
+          </a:lnRef>
+          <a:fillRef idx="0">
+            <a:schemeClr val="accent1"/>
+          </a:fillRef>
+          <a:effectRef idx="1">
+            <a:schemeClr val="accent1"/>
+          </a:effectRef>
+          <a:fontRef idx="minor">
+            <a:schemeClr val="tx1"/>
+          </a:fontRef>
+        </p:style>
+      </p:cxnSp>
+      <p:cxnSp>
+        <p:nvCxnSpPr>
+          <p:cNvPr id="14" name="Straight Connector 13">
+            <a:extLst>
+              <a:ext uri="{FF2B5EF4-FFF2-40B4-BE49-F238E27FC236}">
+                <a16:creationId xmlns:a16="http://schemas.microsoft.com/office/drawing/2014/main" id="{285AF4D6-B3F3-96B2-3E26-63FCFC0853B4}"/>
+              </a:ext>
+            </a:extLst>
+          </p:cNvPr>
+          <p:cNvCxnSpPr>
+            <a:cxnSpLocks/>
+            <a:endCxn id="6" idx="1"/>
+          </p:cNvCxnSpPr>
+          <p:nvPr/>
+        </p:nvCxnSpPr>
+        <p:spPr>
+          <a:xfrm>
+            <a:off x="5827162" y="3331052"/>
+            <a:ext cx="133478" cy="124303"/>
+          </a:xfrm>
+          <a:prstGeom prst="line">
+            <a:avLst/>
+          </a:prstGeom>
+          <a:ln>
+            <a:solidFill>
+              <a:schemeClr val="tx1">
+                <a:lumMod val="50000"/>
+                <a:lumOff val="50000"/>
+              </a:schemeClr>
+            </a:solidFill>
+          </a:ln>
+          <a:effectLst/>
+        </p:spPr>
+        <p:style>
+          <a:lnRef idx="2">
+            <a:schemeClr val="accent1"/>
+          </a:lnRef>
+          <a:fillRef idx="0">
+            <a:schemeClr val="accent1"/>
+          </a:fillRef>
+          <a:effectRef idx="1">
+            <a:schemeClr val="accent1"/>
+          </a:effectRef>
+          <a:fontRef idx="minor">
+            <a:schemeClr val="tx1"/>
+          </a:fontRef>
+        </p:style>
+      </p:cxnSp>
+      <p:cxnSp>
+        <p:nvCxnSpPr>
+          <p:cNvPr id="15" name="Straight Connector 14">
+            <a:extLst>
+              <a:ext uri="{FF2B5EF4-FFF2-40B4-BE49-F238E27FC236}">
+                <a16:creationId xmlns:a16="http://schemas.microsoft.com/office/drawing/2014/main" id="{DA945A7A-D96C-7D48-E177-29C80F7AE802}"/>
+              </a:ext>
+            </a:extLst>
+          </p:cNvPr>
+          <p:cNvCxnSpPr>
+            <a:cxnSpLocks/>
+            <a:endCxn id="6" idx="3"/>
+          </p:cNvCxnSpPr>
+          <p:nvPr/>
+        </p:nvCxnSpPr>
+        <p:spPr>
+          <a:xfrm flipV="1">
+            <a:off x="5817320" y="3748212"/>
+            <a:ext cx="143318" cy="139640"/>
+          </a:xfrm>
+          <a:prstGeom prst="line">
+            <a:avLst/>
+          </a:prstGeom>
+          <a:ln>
+            <a:solidFill>
+              <a:schemeClr val="tx1">
+                <a:lumMod val="50000"/>
+                <a:lumOff val="50000"/>
+              </a:schemeClr>
+            </a:solidFill>
+          </a:ln>
+          <a:effectLst/>
+        </p:spPr>
+        <p:style>
+          <a:lnRef idx="2">
+            <a:schemeClr val="accent1"/>
+          </a:lnRef>
+          <a:fillRef idx="0">
+            <a:schemeClr val="accent1"/>
+          </a:fillRef>
+          <a:effectRef idx="1">
+            <a:schemeClr val="accent1"/>
+          </a:effectRef>
+          <a:fontRef idx="minor">
+            <a:schemeClr val="tx1"/>
+          </a:fontRef>
+        </p:style>
+      </p:cxnSp>
+      <p:cxnSp>
+        <p:nvCxnSpPr>
+          <p:cNvPr id="16" name="Straight Connector 15">
+            <a:extLst>
+              <a:ext uri="{FF2B5EF4-FFF2-40B4-BE49-F238E27FC236}">
+                <a16:creationId xmlns:a16="http://schemas.microsoft.com/office/drawing/2014/main" id="{1239F520-3F81-10DA-BC17-9DCECAFD2665}"/>
+              </a:ext>
+            </a:extLst>
+          </p:cNvPr>
+          <p:cNvCxnSpPr>
+            <a:cxnSpLocks/>
+          </p:cNvCxnSpPr>
+          <p:nvPr/>
+        </p:nvCxnSpPr>
+        <p:spPr>
+          <a:xfrm flipH="1">
+            <a:off x="5045589" y="4077488"/>
+            <a:ext cx="465496" cy="131154"/>
+          </a:xfrm>
+          <a:prstGeom prst="line">
+            <a:avLst/>
+          </a:prstGeom>
+          <a:ln>
+            <a:solidFill>
+              <a:schemeClr val="tx1">
+                <a:lumMod val="50000"/>
+                <a:lumOff val="50000"/>
+              </a:schemeClr>
+            </a:solidFill>
+          </a:ln>
+          <a:effectLst/>
+        </p:spPr>
+        <p:style>
+          <a:lnRef idx="2">
+            <a:schemeClr val="accent1"/>
+          </a:lnRef>
+          <a:fillRef idx="0">
+            <a:schemeClr val="accent1"/>
+          </a:fillRef>
+          <a:effectRef idx="1">
+            <a:schemeClr val="accent1"/>
+          </a:effectRef>
+          <a:fontRef idx="minor">
+            <a:schemeClr val="tx1"/>
+          </a:fontRef>
+        </p:style>
+      </p:cxnSp>
       <p:sp>
         <p:nvSpPr>
-          <p:cNvPr id="7" name="Oval 6">
-            <a:extLst>
-              <a:ext uri="{FF2B5EF4-FFF2-40B4-BE49-F238E27FC236}">
-                <a16:creationId xmlns:a16="http://schemas.microsoft.com/office/drawing/2014/main" id="{8F12D386-5866-B5DC-9AE3-50CCA12AAA7D}"/>
+          <p:cNvPr id="19" name="Oval 18">
+            <a:extLst>
+              <a:ext uri="{FF2B5EF4-FFF2-40B4-BE49-F238E27FC236}">
+                <a16:creationId xmlns:a16="http://schemas.microsoft.com/office/drawing/2014/main" id="{79B7914B-EDFF-B0DA-5355-7BF0E5301738}"/>
               </a:ext>
             </a:extLst>
           </p:cNvPr>
@@ -5676,7 +6054,7 @@
         </p:nvSpPr>
         <p:spPr>
           <a:xfrm>
-            <a:off x="3865851" y="3070191"/>
+            <a:off x="6578448" y="3393854"/>
             <a:ext cx="437353" cy="414161"/>
           </a:xfrm>
           <a:prstGeom prst="ellipse">
@@ -5804,26 +6182,30 @@
             </a:lvl9pPr>
           </a:lstStyle>
           <a:p>
-            <a:pPr algn="ctr" defTabSz="696773"/>
-            <a:r>
-              <a:rPr lang="en-AU" sz="457">
+            <a:pPr algn="ctr" defTabSz="696773">
+              <a:tabLst>
+                <a:tab pos="228076" algn="l"/>
+              </a:tabLst>
+            </a:pPr>
+            <a:r>
+              <a:rPr lang="en-AU" sz="305">
                 <a:solidFill>
                   <a:srgbClr val="000000"/>
                 </a:solidFill>
                 <a:latin typeface="Okomito Next" pitchFamily="2" charset="77"/>
                 <a:cs typeface="Segoe UI Light" panose="020B0502040204020203" pitchFamily="34" charset="0"/>
               </a:rPr>
-              <a:t>Layer</a:t>
+              <a:t>Execution Status</a:t>
             </a:r>
           </a:p>
         </p:txBody>
       </p:sp>
       <p:cxnSp>
         <p:nvCxnSpPr>
-          <p:cNvPr id="9" name="Straight Connector 8">
-            <a:extLst>
-              <a:ext uri="{FF2B5EF4-FFF2-40B4-BE49-F238E27FC236}">
-                <a16:creationId xmlns:a16="http://schemas.microsoft.com/office/drawing/2014/main" id="{4B639B7B-2C8E-88B6-9A39-CF47AF591CD1}"/>
+          <p:cNvPr id="20" name="Straight Connector 19">
+            <a:extLst>
+              <a:ext uri="{FF2B5EF4-FFF2-40B4-BE49-F238E27FC236}">
+                <a16:creationId xmlns:a16="http://schemas.microsoft.com/office/drawing/2014/main" id="{CBA85404-9DC7-53E3-DD90-44B2D5B57E8C}"/>
               </a:ext>
             </a:extLst>
           </p:cNvPr>
@@ -5833,9 +6215,9 @@
           <p:nvPr/>
         </p:nvCxnSpPr>
         <p:spPr>
-          <a:xfrm>
-            <a:off x="4089289" y="3484352"/>
-            <a:ext cx="0" cy="156923"/>
+          <a:xfrm flipV="1">
+            <a:off x="5053633" y="2850409"/>
+            <a:ext cx="1961356" cy="988"/>
           </a:xfrm>
           <a:prstGeom prst="line">
             <a:avLst/>
@@ -5867,23 +6249,22 @@
       </p:cxnSp>
       <p:cxnSp>
         <p:nvCxnSpPr>
-          <p:cNvPr id="10" name="Straight Connector 9">
-            <a:extLst>
-              <a:ext uri="{FF2B5EF4-FFF2-40B4-BE49-F238E27FC236}">
-                <a16:creationId xmlns:a16="http://schemas.microsoft.com/office/drawing/2014/main" id="{A58D0D3F-D769-652A-A630-85A2142E4123}"/>
+          <p:cNvPr id="21" name="Straight Connector 20">
+            <a:extLst>
+              <a:ext uri="{FF2B5EF4-FFF2-40B4-BE49-F238E27FC236}">
+                <a16:creationId xmlns:a16="http://schemas.microsoft.com/office/drawing/2014/main" id="{5CE8EE96-9425-3365-0566-0737223C0DAA}"/>
               </a:ext>
             </a:extLst>
           </p:cNvPr>
           <p:cNvCxnSpPr>
             <a:cxnSpLocks/>
-            <a:stCxn id="5" idx="5"/>
           </p:cNvCxnSpPr>
           <p:nvPr/>
         </p:nvCxnSpPr>
         <p:spPr>
           <a:xfrm>
-            <a:off x="4239154" y="3994782"/>
-            <a:ext cx="608180" cy="441666"/>
+            <a:off x="5072329" y="4300157"/>
+            <a:ext cx="1943472" cy="1435"/>
           </a:xfrm>
           <a:prstGeom prst="line">
             <a:avLst/>
@@ -5913,12 +6294,172 @@
           </a:fontRef>
         </p:style>
       </p:cxnSp>
+      <p:sp>
+        <p:nvSpPr>
+          <p:cNvPr id="22" name="Oval 21">
+            <a:extLst>
+              <a:ext uri="{FF2B5EF4-FFF2-40B4-BE49-F238E27FC236}">
+                <a16:creationId xmlns:a16="http://schemas.microsoft.com/office/drawing/2014/main" id="{32C22AD8-4F8C-F3FB-B023-F5B4A506B08C}"/>
+              </a:ext>
+            </a:extLst>
+          </p:cNvPr>
+          <p:cNvSpPr/>
+          <p:nvPr/>
+        </p:nvSpPr>
+        <p:spPr>
+          <a:xfrm>
+            <a:off x="4890587" y="3389091"/>
+            <a:ext cx="437353" cy="414161"/>
+          </a:xfrm>
+          <a:prstGeom prst="ellipse">
+            <a:avLst/>
+          </a:prstGeom>
+          <a:solidFill>
+            <a:schemeClr val="accent4">
+              <a:lumMod val="40000"/>
+              <a:lumOff val="60000"/>
+            </a:schemeClr>
+          </a:solidFill>
+          <a:ln>
+            <a:noFill/>
+          </a:ln>
+        </p:spPr>
+        <p:style>
+          <a:lnRef idx="1">
+            <a:schemeClr val="accent1"/>
+          </a:lnRef>
+          <a:fillRef idx="3">
+            <a:schemeClr val="accent1"/>
+          </a:fillRef>
+          <a:effectRef idx="2">
+            <a:schemeClr val="accent1"/>
+          </a:effectRef>
+          <a:fontRef idx="minor">
+            <a:schemeClr val="lt1"/>
+          </a:fontRef>
+        </p:style>
+        <p:txBody>
+          <a:bodyPr lIns="0" tIns="0" rIns="0" bIns="0" rtlCol="0" anchor="ctr"/>
+          <a:lstStyle>
+            <a:defPPr>
+              <a:defRPr lang="de-DE"/>
+            </a:defPPr>
+            <a:lvl1pPr marL="0" algn="l" defTabSz="914400" rtl="0" eaLnBrk="1" latinLnBrk="0" hangingPunct="1">
+              <a:defRPr sz="1800" kern="1200">
+                <a:solidFill>
+                  <a:schemeClr val="lt1"/>
+                </a:solidFill>
+                <a:latin typeface="+mn-lt"/>
+                <a:ea typeface="+mn-ea"/>
+                <a:cs typeface="+mn-cs"/>
+              </a:defRPr>
+            </a:lvl1pPr>
+            <a:lvl2pPr marL="457200" algn="l" defTabSz="914400" rtl="0" eaLnBrk="1" latinLnBrk="0" hangingPunct="1">
+              <a:defRPr sz="1800" kern="1200">
+                <a:solidFill>
+                  <a:schemeClr val="lt1"/>
+                </a:solidFill>
+                <a:latin typeface="+mn-lt"/>
+                <a:ea typeface="+mn-ea"/>
+                <a:cs typeface="+mn-cs"/>
+              </a:defRPr>
+            </a:lvl2pPr>
+            <a:lvl3pPr marL="914400" algn="l" defTabSz="914400" rtl="0" eaLnBrk="1" latinLnBrk="0" hangingPunct="1">
+              <a:defRPr sz="1800" kern="1200">
+                <a:solidFill>
+                  <a:schemeClr val="lt1"/>
+                </a:solidFill>
+                <a:latin typeface="+mn-lt"/>
+                <a:ea typeface="+mn-ea"/>
+                <a:cs typeface="+mn-cs"/>
+              </a:defRPr>
+            </a:lvl3pPr>
+            <a:lvl4pPr marL="1371600" algn="l" defTabSz="914400" rtl="0" eaLnBrk="1" latinLnBrk="0" hangingPunct="1">
+              <a:defRPr sz="1800" kern="1200">
+                <a:solidFill>
+                  <a:schemeClr val="lt1"/>
+                </a:solidFill>
+                <a:latin typeface="+mn-lt"/>
+                <a:ea typeface="+mn-ea"/>
+                <a:cs typeface="+mn-cs"/>
+              </a:defRPr>
+            </a:lvl4pPr>
+            <a:lvl5pPr marL="1828800" algn="l" defTabSz="914400" rtl="0" eaLnBrk="1" latinLnBrk="0" hangingPunct="1">
+              <a:defRPr sz="1800" kern="1200">
+                <a:solidFill>
+                  <a:schemeClr val="lt1"/>
+                </a:solidFill>
+                <a:latin typeface="+mn-lt"/>
+                <a:ea typeface="+mn-ea"/>
+                <a:cs typeface="+mn-cs"/>
+              </a:defRPr>
+            </a:lvl5pPr>
+            <a:lvl6pPr marL="2286000" algn="l" defTabSz="914400" rtl="0" eaLnBrk="1" latinLnBrk="0" hangingPunct="1">
+              <a:defRPr sz="1800" kern="1200">
+                <a:solidFill>
+                  <a:schemeClr val="lt1"/>
+                </a:solidFill>
+                <a:latin typeface="+mn-lt"/>
+                <a:ea typeface="+mn-ea"/>
+                <a:cs typeface="+mn-cs"/>
+              </a:defRPr>
+            </a:lvl6pPr>
+            <a:lvl7pPr marL="2743200" algn="l" defTabSz="914400" rtl="0" eaLnBrk="1" latinLnBrk="0" hangingPunct="1">
+              <a:defRPr sz="1800" kern="1200">
+                <a:solidFill>
+                  <a:schemeClr val="lt1"/>
+                </a:solidFill>
+                <a:latin typeface="+mn-lt"/>
+                <a:ea typeface="+mn-ea"/>
+                <a:cs typeface="+mn-cs"/>
+              </a:defRPr>
+            </a:lvl7pPr>
+            <a:lvl8pPr marL="3200400" algn="l" defTabSz="914400" rtl="0" eaLnBrk="1" latinLnBrk="0" hangingPunct="1">
+              <a:defRPr sz="1800" kern="1200">
+                <a:solidFill>
+                  <a:schemeClr val="lt1"/>
+                </a:solidFill>
+                <a:latin typeface="+mn-lt"/>
+                <a:ea typeface="+mn-ea"/>
+                <a:cs typeface="+mn-cs"/>
+              </a:defRPr>
+            </a:lvl8pPr>
+            <a:lvl9pPr marL="3657600" algn="l" defTabSz="914400" rtl="0" eaLnBrk="1" latinLnBrk="0" hangingPunct="1">
+              <a:defRPr sz="1800" kern="1200">
+                <a:solidFill>
+                  <a:schemeClr val="lt1"/>
+                </a:solidFill>
+                <a:latin typeface="+mn-lt"/>
+                <a:ea typeface="+mn-ea"/>
+                <a:cs typeface="+mn-cs"/>
+              </a:defRPr>
+            </a:lvl9pPr>
+          </a:lstStyle>
+          <a:p>
+            <a:pPr algn="ctr" defTabSz="696773">
+              <a:tabLst>
+                <a:tab pos="228076" algn="l"/>
+              </a:tabLst>
+            </a:pPr>
+            <a:r>
+              <a:rPr lang="en-AU" sz="305">
+                <a:solidFill>
+                  <a:srgbClr val="000000"/>
+                </a:solidFill>
+                <a:latin typeface="Okomito Next" pitchFamily="2" charset="77"/>
+                <a:cs typeface="Segoe UI Light" panose="020B0502040204020203" pitchFamily="34" charset="0"/>
+              </a:rPr>
+              <a:t>Frequency</a:t>
+            </a:r>
+          </a:p>
+        </p:txBody>
+      </p:sp>
       <p:cxnSp>
         <p:nvCxnSpPr>
-          <p:cNvPr id="11" name="Straight Connector 10">
-            <a:extLst>
-              <a:ext uri="{FF2B5EF4-FFF2-40B4-BE49-F238E27FC236}">
-                <a16:creationId xmlns:a16="http://schemas.microsoft.com/office/drawing/2014/main" id="{DC21362F-E108-BCD6-7F03-E6EFAA294620}"/>
+          <p:cNvPr id="23" name="Straight Connector 22">
+            <a:extLst>
+              <a:ext uri="{FF2B5EF4-FFF2-40B4-BE49-F238E27FC236}">
+                <a16:creationId xmlns:a16="http://schemas.microsoft.com/office/drawing/2014/main" id="{93895AC6-9E81-E2ED-C6D5-073BB288B1C5}"/>
               </a:ext>
             </a:extLst>
           </p:cNvPr>
@@ -5929,8 +6470,8 @@
         </p:nvCxnSpPr>
         <p:spPr>
           <a:xfrm>
-            <a:off x="4879360" y="3147065"/>
-            <a:ext cx="166228" cy="253590"/>
+            <a:off x="4734894" y="3191503"/>
+            <a:ext cx="0" cy="775876"/>
           </a:xfrm>
           <a:prstGeom prst="line">
             <a:avLst/>
@@ -5962,10 +6503,10 @@
       </p:cxnSp>
       <p:cxnSp>
         <p:nvCxnSpPr>
-          <p:cNvPr id="12" name="Straight Connector 11">
-            <a:extLst>
-              <a:ext uri="{FF2B5EF4-FFF2-40B4-BE49-F238E27FC236}">
-                <a16:creationId xmlns:a16="http://schemas.microsoft.com/office/drawing/2014/main" id="{57C408AB-6293-CEED-C0B6-CCC4B818A1DD}"/>
+          <p:cNvPr id="24" name="Straight Connector 23">
+            <a:extLst>
+              <a:ext uri="{FF2B5EF4-FFF2-40B4-BE49-F238E27FC236}">
+                <a16:creationId xmlns:a16="http://schemas.microsoft.com/office/drawing/2014/main" id="{74882FC0-0AE4-FF1C-AD72-017EF6E0C469}"/>
               </a:ext>
             </a:extLst>
           </p:cNvPr>
@@ -5975,9 +6516,9 @@
           <p:nvPr/>
         </p:nvCxnSpPr>
         <p:spPr>
-          <a:xfrm flipH="1">
-            <a:off x="4877848" y="3788713"/>
-            <a:ext cx="158282" cy="221651"/>
+          <a:xfrm>
+            <a:off x="7591022" y="3085717"/>
+            <a:ext cx="366093" cy="371017"/>
           </a:xfrm>
           <a:prstGeom prst="line">
             <a:avLst/>
@@ -6009,10 +6550,10 @@
       </p:cxnSp>
       <p:cxnSp>
         <p:nvCxnSpPr>
-          <p:cNvPr id="13" name="Straight Connector 12">
-            <a:extLst>
-              <a:ext uri="{FF2B5EF4-FFF2-40B4-BE49-F238E27FC236}">
-                <a16:creationId xmlns:a16="http://schemas.microsoft.com/office/drawing/2014/main" id="{641C8D5B-C8B3-911F-8ED5-2A1CDD31507B}"/>
+          <p:cNvPr id="25" name="Straight Connector 24">
+            <a:extLst>
+              <a:ext uri="{FF2B5EF4-FFF2-40B4-BE49-F238E27FC236}">
+                <a16:creationId xmlns:a16="http://schemas.microsoft.com/office/drawing/2014/main" id="{B16FA65F-59C6-1349-9EDD-ED0B018076BA}"/>
               </a:ext>
             </a:extLst>
           </p:cNvPr>
@@ -6022,9 +6563,9 @@
           <p:nvPr/>
         </p:nvCxnSpPr>
         <p:spPr>
-          <a:xfrm>
-            <a:off x="5053635" y="2973631"/>
-            <a:ext cx="413018" cy="148475"/>
+          <a:xfrm flipV="1">
+            <a:off x="7591835" y="3749591"/>
+            <a:ext cx="365283" cy="316690"/>
           </a:xfrm>
           <a:prstGeom prst="line">
             <a:avLst/>
@@ -6056,23 +6597,22 @@
       </p:cxnSp>
       <p:cxnSp>
         <p:nvCxnSpPr>
-          <p:cNvPr id="14" name="Straight Connector 13">
-            <a:extLst>
-              <a:ext uri="{FF2B5EF4-FFF2-40B4-BE49-F238E27FC236}">
-                <a16:creationId xmlns:a16="http://schemas.microsoft.com/office/drawing/2014/main" id="{285AF4D6-B3F3-96B2-3E26-63FCFC0853B4}"/>
+          <p:cNvPr id="26" name="Straight Connector 25">
+            <a:extLst>
+              <a:ext uri="{FF2B5EF4-FFF2-40B4-BE49-F238E27FC236}">
+                <a16:creationId xmlns:a16="http://schemas.microsoft.com/office/drawing/2014/main" id="{63A0C128-3B9D-E906-DAE5-F23416C79ABC}"/>
               </a:ext>
             </a:extLst>
           </p:cNvPr>
           <p:cNvCxnSpPr>
             <a:cxnSpLocks/>
-            <a:endCxn id="6" idx="1"/>
           </p:cNvCxnSpPr>
           <p:nvPr/>
         </p:nvCxnSpPr>
         <p:spPr>
           <a:xfrm>
-            <a:off x="5827162" y="3331052"/>
-            <a:ext cx="133478" cy="124303"/>
+            <a:off x="7352423" y="3183187"/>
+            <a:ext cx="810" cy="785627"/>
           </a:xfrm>
           <a:prstGeom prst="line">
             <a:avLst/>
@@ -6104,23 +6644,22 @@
       </p:cxnSp>
       <p:cxnSp>
         <p:nvCxnSpPr>
-          <p:cNvPr id="15" name="Straight Connector 14">
-            <a:extLst>
-              <a:ext uri="{FF2B5EF4-FFF2-40B4-BE49-F238E27FC236}">
-                <a16:creationId xmlns:a16="http://schemas.microsoft.com/office/drawing/2014/main" id="{DA945A7A-D96C-7D48-E177-29C80F7AE802}"/>
+          <p:cNvPr id="27" name="Straight Connector 26">
+            <a:extLst>
+              <a:ext uri="{FF2B5EF4-FFF2-40B4-BE49-F238E27FC236}">
+                <a16:creationId xmlns:a16="http://schemas.microsoft.com/office/drawing/2014/main" id="{AD17D9B2-85A3-7FD6-C4C2-60317150E3D4}"/>
               </a:ext>
             </a:extLst>
           </p:cNvPr>
           <p:cNvCxnSpPr>
             <a:cxnSpLocks/>
-            <a:endCxn id="6" idx="3"/>
           </p:cNvCxnSpPr>
           <p:nvPr/>
         </p:nvCxnSpPr>
         <p:spPr>
           <a:xfrm flipV="1">
-            <a:off x="5817320" y="3748212"/>
-            <a:ext cx="143318" cy="139640"/>
+            <a:off x="8236761" y="3256213"/>
+            <a:ext cx="116801" cy="207115"/>
           </a:xfrm>
           <a:prstGeom prst="line">
             <a:avLst/>
@@ -6152,10 +6691,10 @@
       </p:cxnSp>
       <p:cxnSp>
         <p:nvCxnSpPr>
-          <p:cNvPr id="16" name="Straight Connector 15">
-            <a:extLst>
-              <a:ext uri="{FF2B5EF4-FFF2-40B4-BE49-F238E27FC236}">
-                <a16:creationId xmlns:a16="http://schemas.microsoft.com/office/drawing/2014/main" id="{1239F520-3F81-10DA-BC17-9DCECAFD2665}"/>
+          <p:cNvPr id="28" name="Straight Connector 27">
+            <a:extLst>
+              <a:ext uri="{FF2B5EF4-FFF2-40B4-BE49-F238E27FC236}">
+                <a16:creationId xmlns:a16="http://schemas.microsoft.com/office/drawing/2014/main" id="{53A72C6C-AF60-5133-7F1F-12518F15C11A}"/>
               </a:ext>
             </a:extLst>
           </p:cNvPr>
@@ -6166,8 +6705,8 @@
         </p:nvCxnSpPr>
         <p:spPr>
           <a:xfrm flipH="1">
-            <a:off x="5045589" y="4077488"/>
-            <a:ext cx="465496" cy="131154"/>
+            <a:off x="6897050" y="3073663"/>
+            <a:ext cx="280282" cy="339491"/>
           </a:xfrm>
           <a:prstGeom prst="line">
             <a:avLst/>
@@ -6197,172 +6736,12 @@
           </a:fontRef>
         </p:style>
       </p:cxnSp>
-      <p:sp>
-        <p:nvSpPr>
-          <p:cNvPr id="19" name="Oval 18">
-            <a:extLst>
-              <a:ext uri="{FF2B5EF4-FFF2-40B4-BE49-F238E27FC236}">
-                <a16:creationId xmlns:a16="http://schemas.microsoft.com/office/drawing/2014/main" id="{79B7914B-EDFF-B0DA-5355-7BF0E5301738}"/>
-              </a:ext>
-            </a:extLst>
-          </p:cNvPr>
-          <p:cNvSpPr/>
-          <p:nvPr/>
-        </p:nvSpPr>
-        <p:spPr>
-          <a:xfrm>
-            <a:off x="6578448" y="3393854"/>
-            <a:ext cx="437353" cy="414161"/>
-          </a:xfrm>
-          <a:prstGeom prst="ellipse">
-            <a:avLst/>
-          </a:prstGeom>
-          <a:solidFill>
-            <a:schemeClr val="accent4">
-              <a:lumMod val="40000"/>
-              <a:lumOff val="60000"/>
-            </a:schemeClr>
-          </a:solidFill>
-          <a:ln>
-            <a:noFill/>
-          </a:ln>
-        </p:spPr>
-        <p:style>
-          <a:lnRef idx="1">
-            <a:schemeClr val="accent1"/>
-          </a:lnRef>
-          <a:fillRef idx="3">
-            <a:schemeClr val="accent1"/>
-          </a:fillRef>
-          <a:effectRef idx="2">
-            <a:schemeClr val="accent1"/>
-          </a:effectRef>
-          <a:fontRef idx="minor">
-            <a:schemeClr val="lt1"/>
-          </a:fontRef>
-        </p:style>
-        <p:txBody>
-          <a:bodyPr lIns="0" tIns="0" rIns="0" bIns="0" rtlCol="0" anchor="ctr"/>
-          <a:lstStyle>
-            <a:defPPr>
-              <a:defRPr lang="de-DE"/>
-            </a:defPPr>
-            <a:lvl1pPr marL="0" algn="l" defTabSz="914400" rtl="0" eaLnBrk="1" latinLnBrk="0" hangingPunct="1">
-              <a:defRPr sz="1800" kern="1200">
-                <a:solidFill>
-                  <a:schemeClr val="lt1"/>
-                </a:solidFill>
-                <a:latin typeface="+mn-lt"/>
-                <a:ea typeface="+mn-ea"/>
-                <a:cs typeface="+mn-cs"/>
-              </a:defRPr>
-            </a:lvl1pPr>
-            <a:lvl2pPr marL="457200" algn="l" defTabSz="914400" rtl="0" eaLnBrk="1" latinLnBrk="0" hangingPunct="1">
-              <a:defRPr sz="1800" kern="1200">
-                <a:solidFill>
-                  <a:schemeClr val="lt1"/>
-                </a:solidFill>
-                <a:latin typeface="+mn-lt"/>
-                <a:ea typeface="+mn-ea"/>
-                <a:cs typeface="+mn-cs"/>
-              </a:defRPr>
-            </a:lvl2pPr>
-            <a:lvl3pPr marL="914400" algn="l" defTabSz="914400" rtl="0" eaLnBrk="1" latinLnBrk="0" hangingPunct="1">
-              <a:defRPr sz="1800" kern="1200">
-                <a:solidFill>
-                  <a:schemeClr val="lt1"/>
-                </a:solidFill>
-                <a:latin typeface="+mn-lt"/>
-                <a:ea typeface="+mn-ea"/>
-                <a:cs typeface="+mn-cs"/>
-              </a:defRPr>
-            </a:lvl3pPr>
-            <a:lvl4pPr marL="1371600" algn="l" defTabSz="914400" rtl="0" eaLnBrk="1" latinLnBrk="0" hangingPunct="1">
-              <a:defRPr sz="1800" kern="1200">
-                <a:solidFill>
-                  <a:schemeClr val="lt1"/>
-                </a:solidFill>
-                <a:latin typeface="+mn-lt"/>
-                <a:ea typeface="+mn-ea"/>
-                <a:cs typeface="+mn-cs"/>
-              </a:defRPr>
-            </a:lvl4pPr>
-            <a:lvl5pPr marL="1828800" algn="l" defTabSz="914400" rtl="0" eaLnBrk="1" latinLnBrk="0" hangingPunct="1">
-              <a:defRPr sz="1800" kern="1200">
-                <a:solidFill>
-                  <a:schemeClr val="lt1"/>
-                </a:solidFill>
-                <a:latin typeface="+mn-lt"/>
-                <a:ea typeface="+mn-ea"/>
-                <a:cs typeface="+mn-cs"/>
-              </a:defRPr>
-            </a:lvl5pPr>
-            <a:lvl6pPr marL="2286000" algn="l" defTabSz="914400" rtl="0" eaLnBrk="1" latinLnBrk="0" hangingPunct="1">
-              <a:defRPr sz="1800" kern="1200">
-                <a:solidFill>
-                  <a:schemeClr val="lt1"/>
-                </a:solidFill>
-                <a:latin typeface="+mn-lt"/>
-                <a:ea typeface="+mn-ea"/>
-                <a:cs typeface="+mn-cs"/>
-              </a:defRPr>
-            </a:lvl6pPr>
-            <a:lvl7pPr marL="2743200" algn="l" defTabSz="914400" rtl="0" eaLnBrk="1" latinLnBrk="0" hangingPunct="1">
-              <a:defRPr sz="1800" kern="1200">
-                <a:solidFill>
-                  <a:schemeClr val="lt1"/>
-                </a:solidFill>
-                <a:latin typeface="+mn-lt"/>
-                <a:ea typeface="+mn-ea"/>
-                <a:cs typeface="+mn-cs"/>
-              </a:defRPr>
-            </a:lvl7pPr>
-            <a:lvl8pPr marL="3200400" algn="l" defTabSz="914400" rtl="0" eaLnBrk="1" latinLnBrk="0" hangingPunct="1">
-              <a:defRPr sz="1800" kern="1200">
-                <a:solidFill>
-                  <a:schemeClr val="lt1"/>
-                </a:solidFill>
-                <a:latin typeface="+mn-lt"/>
-                <a:ea typeface="+mn-ea"/>
-                <a:cs typeface="+mn-cs"/>
-              </a:defRPr>
-            </a:lvl8pPr>
-            <a:lvl9pPr marL="3657600" algn="l" defTabSz="914400" rtl="0" eaLnBrk="1" latinLnBrk="0" hangingPunct="1">
-              <a:defRPr sz="1800" kern="1200">
-                <a:solidFill>
-                  <a:schemeClr val="lt1"/>
-                </a:solidFill>
-                <a:latin typeface="+mn-lt"/>
-                <a:ea typeface="+mn-ea"/>
-                <a:cs typeface="+mn-cs"/>
-              </a:defRPr>
-            </a:lvl9pPr>
-          </a:lstStyle>
-          <a:p>
-            <a:pPr algn="ctr" defTabSz="696773">
-              <a:tabLst>
-                <a:tab pos="228076" algn="l"/>
-              </a:tabLst>
-            </a:pPr>
-            <a:r>
-              <a:rPr lang="en-AU" sz="305">
-                <a:solidFill>
-                  <a:srgbClr val="000000"/>
-                </a:solidFill>
-                <a:latin typeface="Okomito Next" pitchFamily="2" charset="77"/>
-                <a:cs typeface="Segoe UI Light" panose="020B0502040204020203" pitchFamily="34" charset="0"/>
-              </a:rPr>
-              <a:t>Execution Status</a:t>
-            </a:r>
-          </a:p>
-        </p:txBody>
-      </p:sp>
       <p:cxnSp>
         <p:nvCxnSpPr>
-          <p:cNvPr id="20" name="Straight Connector 19">
-            <a:extLst>
-              <a:ext uri="{FF2B5EF4-FFF2-40B4-BE49-F238E27FC236}">
-                <a16:creationId xmlns:a16="http://schemas.microsoft.com/office/drawing/2014/main" id="{CBA85404-9DC7-53E3-DD90-44B2D5B57E8C}"/>
+          <p:cNvPr id="29" name="Straight Connector 28">
+            <a:extLst>
+              <a:ext uri="{FF2B5EF4-FFF2-40B4-BE49-F238E27FC236}">
+                <a16:creationId xmlns:a16="http://schemas.microsoft.com/office/drawing/2014/main" id="{A812E8B2-48DB-BD14-9184-7E4E531B4A53}"/>
               </a:ext>
             </a:extLst>
           </p:cNvPr>
@@ -6372,9 +6751,9 @@
           <p:nvPr/>
         </p:nvCxnSpPr>
         <p:spPr>
-          <a:xfrm flipV="1">
-            <a:off x="5053633" y="2850409"/>
-            <a:ext cx="1961356" cy="988"/>
+          <a:xfrm>
+            <a:off x="6888625" y="3788715"/>
+            <a:ext cx="226008" cy="277567"/>
           </a:xfrm>
           <a:prstGeom prst="line">
             <a:avLst/>
@@ -6404,698 +6783,6 @@
           </a:fontRef>
         </p:style>
       </p:cxnSp>
-      <p:cxnSp>
-        <p:nvCxnSpPr>
-          <p:cNvPr id="21" name="Straight Connector 20">
-            <a:extLst>
-              <a:ext uri="{FF2B5EF4-FFF2-40B4-BE49-F238E27FC236}">
-                <a16:creationId xmlns:a16="http://schemas.microsoft.com/office/drawing/2014/main" id="{5CE8EE96-9425-3365-0566-0737223C0DAA}"/>
-              </a:ext>
-            </a:extLst>
-          </p:cNvPr>
-          <p:cNvCxnSpPr>
-            <a:cxnSpLocks/>
-          </p:cNvCxnSpPr>
-          <p:nvPr/>
-        </p:nvCxnSpPr>
-        <p:spPr>
-          <a:xfrm>
-            <a:off x="5072329" y="4300157"/>
-            <a:ext cx="1943472" cy="1435"/>
-          </a:xfrm>
-          <a:prstGeom prst="line">
-            <a:avLst/>
-          </a:prstGeom>
-          <a:ln>
-            <a:solidFill>
-              <a:schemeClr val="tx1">
-                <a:lumMod val="50000"/>
-                <a:lumOff val="50000"/>
-              </a:schemeClr>
-            </a:solidFill>
-          </a:ln>
-          <a:effectLst/>
-        </p:spPr>
-        <p:style>
-          <a:lnRef idx="2">
-            <a:schemeClr val="accent1"/>
-          </a:lnRef>
-          <a:fillRef idx="0">
-            <a:schemeClr val="accent1"/>
-          </a:fillRef>
-          <a:effectRef idx="1">
-            <a:schemeClr val="accent1"/>
-          </a:effectRef>
-          <a:fontRef idx="minor">
-            <a:schemeClr val="tx1"/>
-          </a:fontRef>
-        </p:style>
-      </p:cxnSp>
-      <p:sp>
-        <p:nvSpPr>
-          <p:cNvPr id="22" name="Oval 21">
-            <a:extLst>
-              <a:ext uri="{FF2B5EF4-FFF2-40B4-BE49-F238E27FC236}">
-                <a16:creationId xmlns:a16="http://schemas.microsoft.com/office/drawing/2014/main" id="{32C22AD8-4F8C-F3FB-B023-F5B4A506B08C}"/>
-              </a:ext>
-            </a:extLst>
-          </p:cNvPr>
-          <p:cNvSpPr/>
-          <p:nvPr/>
-        </p:nvSpPr>
-        <p:spPr>
-          <a:xfrm>
-            <a:off x="4890587" y="3389091"/>
-            <a:ext cx="437353" cy="414161"/>
-          </a:xfrm>
-          <a:prstGeom prst="ellipse">
-            <a:avLst/>
-          </a:prstGeom>
-          <a:solidFill>
-            <a:schemeClr val="accent4">
-              <a:lumMod val="40000"/>
-              <a:lumOff val="60000"/>
-            </a:schemeClr>
-          </a:solidFill>
-          <a:ln>
-            <a:noFill/>
-          </a:ln>
-        </p:spPr>
-        <p:style>
-          <a:lnRef idx="1">
-            <a:schemeClr val="accent1"/>
-          </a:lnRef>
-          <a:fillRef idx="3">
-            <a:schemeClr val="accent1"/>
-          </a:fillRef>
-          <a:effectRef idx="2">
-            <a:schemeClr val="accent1"/>
-          </a:effectRef>
-          <a:fontRef idx="minor">
-            <a:schemeClr val="lt1"/>
-          </a:fontRef>
-        </p:style>
-        <p:txBody>
-          <a:bodyPr lIns="0" tIns="0" rIns="0" bIns="0" rtlCol="0" anchor="ctr"/>
-          <a:lstStyle>
-            <a:defPPr>
-              <a:defRPr lang="de-DE"/>
-            </a:defPPr>
-            <a:lvl1pPr marL="0" algn="l" defTabSz="914400" rtl="0" eaLnBrk="1" latinLnBrk="0" hangingPunct="1">
-              <a:defRPr sz="1800" kern="1200">
-                <a:solidFill>
-                  <a:schemeClr val="lt1"/>
-                </a:solidFill>
-                <a:latin typeface="+mn-lt"/>
-                <a:ea typeface="+mn-ea"/>
-                <a:cs typeface="+mn-cs"/>
-              </a:defRPr>
-            </a:lvl1pPr>
-            <a:lvl2pPr marL="457200" algn="l" defTabSz="914400" rtl="0" eaLnBrk="1" latinLnBrk="0" hangingPunct="1">
-              <a:defRPr sz="1800" kern="1200">
-                <a:solidFill>
-                  <a:schemeClr val="lt1"/>
-                </a:solidFill>
-                <a:latin typeface="+mn-lt"/>
-                <a:ea typeface="+mn-ea"/>
-                <a:cs typeface="+mn-cs"/>
-              </a:defRPr>
-            </a:lvl2pPr>
-            <a:lvl3pPr marL="914400" algn="l" defTabSz="914400" rtl="0" eaLnBrk="1" latinLnBrk="0" hangingPunct="1">
-              <a:defRPr sz="1800" kern="1200">
-                <a:solidFill>
-                  <a:schemeClr val="lt1"/>
-                </a:solidFill>
-                <a:latin typeface="+mn-lt"/>
-                <a:ea typeface="+mn-ea"/>
-                <a:cs typeface="+mn-cs"/>
-              </a:defRPr>
-            </a:lvl3pPr>
-            <a:lvl4pPr marL="1371600" algn="l" defTabSz="914400" rtl="0" eaLnBrk="1" latinLnBrk="0" hangingPunct="1">
-              <a:defRPr sz="1800" kern="1200">
-                <a:solidFill>
-                  <a:schemeClr val="lt1"/>
-                </a:solidFill>
-                <a:latin typeface="+mn-lt"/>
-                <a:ea typeface="+mn-ea"/>
-                <a:cs typeface="+mn-cs"/>
-              </a:defRPr>
-            </a:lvl4pPr>
-            <a:lvl5pPr marL="1828800" algn="l" defTabSz="914400" rtl="0" eaLnBrk="1" latinLnBrk="0" hangingPunct="1">
-              <a:defRPr sz="1800" kern="1200">
-                <a:solidFill>
-                  <a:schemeClr val="lt1"/>
-                </a:solidFill>
-                <a:latin typeface="+mn-lt"/>
-                <a:ea typeface="+mn-ea"/>
-                <a:cs typeface="+mn-cs"/>
-              </a:defRPr>
-            </a:lvl5pPr>
-            <a:lvl6pPr marL="2286000" algn="l" defTabSz="914400" rtl="0" eaLnBrk="1" latinLnBrk="0" hangingPunct="1">
-              <a:defRPr sz="1800" kern="1200">
-                <a:solidFill>
-                  <a:schemeClr val="lt1"/>
-                </a:solidFill>
-                <a:latin typeface="+mn-lt"/>
-                <a:ea typeface="+mn-ea"/>
-                <a:cs typeface="+mn-cs"/>
-              </a:defRPr>
-            </a:lvl6pPr>
-            <a:lvl7pPr marL="2743200" algn="l" defTabSz="914400" rtl="0" eaLnBrk="1" latinLnBrk="0" hangingPunct="1">
-              <a:defRPr sz="1800" kern="1200">
-                <a:solidFill>
-                  <a:schemeClr val="lt1"/>
-                </a:solidFill>
-                <a:latin typeface="+mn-lt"/>
-                <a:ea typeface="+mn-ea"/>
-                <a:cs typeface="+mn-cs"/>
-              </a:defRPr>
-            </a:lvl7pPr>
-            <a:lvl8pPr marL="3200400" algn="l" defTabSz="914400" rtl="0" eaLnBrk="1" latinLnBrk="0" hangingPunct="1">
-              <a:defRPr sz="1800" kern="1200">
-                <a:solidFill>
-                  <a:schemeClr val="lt1"/>
-                </a:solidFill>
-                <a:latin typeface="+mn-lt"/>
-                <a:ea typeface="+mn-ea"/>
-                <a:cs typeface="+mn-cs"/>
-              </a:defRPr>
-            </a:lvl8pPr>
-            <a:lvl9pPr marL="3657600" algn="l" defTabSz="914400" rtl="0" eaLnBrk="1" latinLnBrk="0" hangingPunct="1">
-              <a:defRPr sz="1800" kern="1200">
-                <a:solidFill>
-                  <a:schemeClr val="lt1"/>
-                </a:solidFill>
-                <a:latin typeface="+mn-lt"/>
-                <a:ea typeface="+mn-ea"/>
-                <a:cs typeface="+mn-cs"/>
-              </a:defRPr>
-            </a:lvl9pPr>
-          </a:lstStyle>
-          <a:p>
-            <a:pPr algn="ctr" defTabSz="696773">
-              <a:tabLst>
-                <a:tab pos="228076" algn="l"/>
-              </a:tabLst>
-            </a:pPr>
-            <a:r>
-              <a:rPr lang="en-AU" sz="305">
-                <a:solidFill>
-                  <a:srgbClr val="000000"/>
-                </a:solidFill>
-                <a:latin typeface="Okomito Next" pitchFamily="2" charset="77"/>
-                <a:cs typeface="Segoe UI Light" panose="020B0502040204020203" pitchFamily="34" charset="0"/>
-              </a:rPr>
-              <a:t>Frequency</a:t>
-            </a:r>
-          </a:p>
-        </p:txBody>
-      </p:sp>
-      <p:cxnSp>
-        <p:nvCxnSpPr>
-          <p:cNvPr id="23" name="Straight Connector 22">
-            <a:extLst>
-              <a:ext uri="{FF2B5EF4-FFF2-40B4-BE49-F238E27FC236}">
-                <a16:creationId xmlns:a16="http://schemas.microsoft.com/office/drawing/2014/main" id="{93895AC6-9E81-E2ED-C6D5-073BB288B1C5}"/>
-              </a:ext>
-            </a:extLst>
-          </p:cNvPr>
-          <p:cNvCxnSpPr>
-            <a:cxnSpLocks/>
-          </p:cNvCxnSpPr>
-          <p:nvPr/>
-        </p:nvCxnSpPr>
-        <p:spPr>
-          <a:xfrm>
-            <a:off x="4734894" y="3191503"/>
-            <a:ext cx="0" cy="775876"/>
-          </a:xfrm>
-          <a:prstGeom prst="line">
-            <a:avLst/>
-          </a:prstGeom>
-          <a:ln>
-            <a:solidFill>
-              <a:schemeClr val="tx1">
-                <a:lumMod val="50000"/>
-                <a:lumOff val="50000"/>
-              </a:schemeClr>
-            </a:solidFill>
-          </a:ln>
-          <a:effectLst/>
-        </p:spPr>
-        <p:style>
-          <a:lnRef idx="2">
-            <a:schemeClr val="accent1"/>
-          </a:lnRef>
-          <a:fillRef idx="0">
-            <a:schemeClr val="accent1"/>
-          </a:fillRef>
-          <a:effectRef idx="1">
-            <a:schemeClr val="accent1"/>
-          </a:effectRef>
-          <a:fontRef idx="minor">
-            <a:schemeClr val="tx1"/>
-          </a:fontRef>
-        </p:style>
-      </p:cxnSp>
-      <p:cxnSp>
-        <p:nvCxnSpPr>
-          <p:cNvPr id="24" name="Straight Connector 23">
-            <a:extLst>
-              <a:ext uri="{FF2B5EF4-FFF2-40B4-BE49-F238E27FC236}">
-                <a16:creationId xmlns:a16="http://schemas.microsoft.com/office/drawing/2014/main" id="{74882FC0-0AE4-FF1C-AD72-017EF6E0C469}"/>
-              </a:ext>
-            </a:extLst>
-          </p:cNvPr>
-          <p:cNvCxnSpPr>
-            <a:cxnSpLocks/>
-          </p:cNvCxnSpPr>
-          <p:nvPr/>
-        </p:nvCxnSpPr>
-        <p:spPr>
-          <a:xfrm>
-            <a:off x="7591022" y="3085717"/>
-            <a:ext cx="366093" cy="371017"/>
-          </a:xfrm>
-          <a:prstGeom prst="line">
-            <a:avLst/>
-          </a:prstGeom>
-          <a:ln>
-            <a:solidFill>
-              <a:schemeClr val="tx1">
-                <a:lumMod val="50000"/>
-                <a:lumOff val="50000"/>
-              </a:schemeClr>
-            </a:solidFill>
-          </a:ln>
-          <a:effectLst/>
-        </p:spPr>
-        <p:style>
-          <a:lnRef idx="2">
-            <a:schemeClr val="accent1"/>
-          </a:lnRef>
-          <a:fillRef idx="0">
-            <a:schemeClr val="accent1"/>
-          </a:fillRef>
-          <a:effectRef idx="1">
-            <a:schemeClr val="accent1"/>
-          </a:effectRef>
-          <a:fontRef idx="minor">
-            <a:schemeClr val="tx1"/>
-          </a:fontRef>
-        </p:style>
-      </p:cxnSp>
-      <p:cxnSp>
-        <p:nvCxnSpPr>
-          <p:cNvPr id="25" name="Straight Connector 24">
-            <a:extLst>
-              <a:ext uri="{FF2B5EF4-FFF2-40B4-BE49-F238E27FC236}">
-                <a16:creationId xmlns:a16="http://schemas.microsoft.com/office/drawing/2014/main" id="{B16FA65F-59C6-1349-9EDD-ED0B018076BA}"/>
-              </a:ext>
-            </a:extLst>
-          </p:cNvPr>
-          <p:cNvCxnSpPr>
-            <a:cxnSpLocks/>
-          </p:cNvCxnSpPr>
-          <p:nvPr/>
-        </p:nvCxnSpPr>
-        <p:spPr>
-          <a:xfrm flipV="1">
-            <a:off x="7591835" y="3749591"/>
-            <a:ext cx="365283" cy="316690"/>
-          </a:xfrm>
-          <a:prstGeom prst="line">
-            <a:avLst/>
-          </a:prstGeom>
-          <a:ln>
-            <a:solidFill>
-              <a:schemeClr val="tx1">
-                <a:lumMod val="50000"/>
-                <a:lumOff val="50000"/>
-              </a:schemeClr>
-            </a:solidFill>
-          </a:ln>
-          <a:effectLst/>
-        </p:spPr>
-        <p:style>
-          <a:lnRef idx="2">
-            <a:schemeClr val="accent1"/>
-          </a:lnRef>
-          <a:fillRef idx="0">
-            <a:schemeClr val="accent1"/>
-          </a:fillRef>
-          <a:effectRef idx="1">
-            <a:schemeClr val="accent1"/>
-          </a:effectRef>
-          <a:fontRef idx="minor">
-            <a:schemeClr val="tx1"/>
-          </a:fontRef>
-        </p:style>
-      </p:cxnSp>
-      <p:cxnSp>
-        <p:nvCxnSpPr>
-          <p:cNvPr id="26" name="Straight Connector 25">
-            <a:extLst>
-              <a:ext uri="{FF2B5EF4-FFF2-40B4-BE49-F238E27FC236}">
-                <a16:creationId xmlns:a16="http://schemas.microsoft.com/office/drawing/2014/main" id="{63A0C128-3B9D-E906-DAE5-F23416C79ABC}"/>
-              </a:ext>
-            </a:extLst>
-          </p:cNvPr>
-          <p:cNvCxnSpPr>
-            <a:cxnSpLocks/>
-          </p:cNvCxnSpPr>
-          <p:nvPr/>
-        </p:nvCxnSpPr>
-        <p:spPr>
-          <a:xfrm>
-            <a:off x="7352423" y="3183187"/>
-            <a:ext cx="810" cy="785627"/>
-          </a:xfrm>
-          <a:prstGeom prst="line">
-            <a:avLst/>
-          </a:prstGeom>
-          <a:ln>
-            <a:solidFill>
-              <a:schemeClr val="tx1">
-                <a:lumMod val="50000"/>
-                <a:lumOff val="50000"/>
-              </a:schemeClr>
-            </a:solidFill>
-          </a:ln>
-          <a:effectLst/>
-        </p:spPr>
-        <p:style>
-          <a:lnRef idx="2">
-            <a:schemeClr val="accent1"/>
-          </a:lnRef>
-          <a:fillRef idx="0">
-            <a:schemeClr val="accent1"/>
-          </a:fillRef>
-          <a:effectRef idx="1">
-            <a:schemeClr val="accent1"/>
-          </a:effectRef>
-          <a:fontRef idx="minor">
-            <a:schemeClr val="tx1"/>
-          </a:fontRef>
-        </p:style>
-      </p:cxnSp>
-      <p:cxnSp>
-        <p:nvCxnSpPr>
-          <p:cNvPr id="27" name="Straight Connector 26">
-            <a:extLst>
-              <a:ext uri="{FF2B5EF4-FFF2-40B4-BE49-F238E27FC236}">
-                <a16:creationId xmlns:a16="http://schemas.microsoft.com/office/drawing/2014/main" id="{AD17D9B2-85A3-7FD6-C4C2-60317150E3D4}"/>
-              </a:ext>
-            </a:extLst>
-          </p:cNvPr>
-          <p:cNvCxnSpPr>
-            <a:cxnSpLocks/>
-          </p:cNvCxnSpPr>
-          <p:nvPr/>
-        </p:nvCxnSpPr>
-        <p:spPr>
-          <a:xfrm flipV="1">
-            <a:off x="8236761" y="3256213"/>
-            <a:ext cx="116801" cy="207115"/>
-          </a:xfrm>
-          <a:prstGeom prst="line">
-            <a:avLst/>
-          </a:prstGeom>
-          <a:ln>
-            <a:solidFill>
-              <a:schemeClr val="tx1">
-                <a:lumMod val="50000"/>
-                <a:lumOff val="50000"/>
-              </a:schemeClr>
-            </a:solidFill>
-          </a:ln>
-          <a:effectLst/>
-        </p:spPr>
-        <p:style>
-          <a:lnRef idx="2">
-            <a:schemeClr val="accent1"/>
-          </a:lnRef>
-          <a:fillRef idx="0">
-            <a:schemeClr val="accent1"/>
-          </a:fillRef>
-          <a:effectRef idx="1">
-            <a:schemeClr val="accent1"/>
-          </a:effectRef>
-          <a:fontRef idx="minor">
-            <a:schemeClr val="tx1"/>
-          </a:fontRef>
-        </p:style>
-      </p:cxnSp>
-      <p:cxnSp>
-        <p:nvCxnSpPr>
-          <p:cNvPr id="28" name="Straight Connector 27">
-            <a:extLst>
-              <a:ext uri="{FF2B5EF4-FFF2-40B4-BE49-F238E27FC236}">
-                <a16:creationId xmlns:a16="http://schemas.microsoft.com/office/drawing/2014/main" id="{53A72C6C-AF60-5133-7F1F-12518F15C11A}"/>
-              </a:ext>
-            </a:extLst>
-          </p:cNvPr>
-          <p:cNvCxnSpPr>
-            <a:cxnSpLocks/>
-          </p:cNvCxnSpPr>
-          <p:nvPr/>
-        </p:nvCxnSpPr>
-        <p:spPr>
-          <a:xfrm flipH="1">
-            <a:off x="6897050" y="3073663"/>
-            <a:ext cx="280282" cy="339491"/>
-          </a:xfrm>
-          <a:prstGeom prst="line">
-            <a:avLst/>
-          </a:prstGeom>
-          <a:ln>
-            <a:solidFill>
-              <a:schemeClr val="tx1">
-                <a:lumMod val="50000"/>
-                <a:lumOff val="50000"/>
-              </a:schemeClr>
-            </a:solidFill>
-          </a:ln>
-          <a:effectLst/>
-        </p:spPr>
-        <p:style>
-          <a:lnRef idx="2">
-            <a:schemeClr val="accent1"/>
-          </a:lnRef>
-          <a:fillRef idx="0">
-            <a:schemeClr val="accent1"/>
-          </a:fillRef>
-          <a:effectRef idx="1">
-            <a:schemeClr val="accent1"/>
-          </a:effectRef>
-          <a:fontRef idx="minor">
-            <a:schemeClr val="tx1"/>
-          </a:fontRef>
-        </p:style>
-      </p:cxnSp>
-      <p:cxnSp>
-        <p:nvCxnSpPr>
-          <p:cNvPr id="29" name="Straight Connector 28">
-            <a:extLst>
-              <a:ext uri="{FF2B5EF4-FFF2-40B4-BE49-F238E27FC236}">
-                <a16:creationId xmlns:a16="http://schemas.microsoft.com/office/drawing/2014/main" id="{A812E8B2-48DB-BD14-9184-7E4E531B4A53}"/>
-              </a:ext>
-            </a:extLst>
-          </p:cNvPr>
-          <p:cNvCxnSpPr>
-            <a:cxnSpLocks/>
-          </p:cNvCxnSpPr>
-          <p:nvPr/>
-        </p:nvCxnSpPr>
-        <p:spPr>
-          <a:xfrm>
-            <a:off x="6888625" y="3788715"/>
-            <a:ext cx="226008" cy="277567"/>
-          </a:xfrm>
-          <a:prstGeom prst="line">
-            <a:avLst/>
-          </a:prstGeom>
-          <a:ln>
-            <a:solidFill>
-              <a:schemeClr val="tx1">
-                <a:lumMod val="50000"/>
-                <a:lumOff val="50000"/>
-              </a:schemeClr>
-            </a:solidFill>
-          </a:ln>
-          <a:effectLst/>
-        </p:spPr>
-        <p:style>
-          <a:lnRef idx="2">
-            <a:schemeClr val="accent1"/>
-          </a:lnRef>
-          <a:fillRef idx="0">
-            <a:schemeClr val="accent1"/>
-          </a:fillRef>
-          <a:effectRef idx="1">
-            <a:schemeClr val="accent1"/>
-          </a:effectRef>
-          <a:fontRef idx="minor">
-            <a:schemeClr val="tx1"/>
-          </a:fontRef>
-        </p:style>
-      </p:cxnSp>
-      <p:sp>
-        <p:nvSpPr>
-          <p:cNvPr id="30" name="Oval 29">
-            <a:extLst>
-              <a:ext uri="{FF2B5EF4-FFF2-40B4-BE49-F238E27FC236}">
-                <a16:creationId xmlns:a16="http://schemas.microsoft.com/office/drawing/2014/main" id="{49849D36-8875-D331-1801-CE26645D3E7E}"/>
-              </a:ext>
-            </a:extLst>
-          </p:cNvPr>
-          <p:cNvSpPr/>
-          <p:nvPr/>
-        </p:nvSpPr>
-        <p:spPr>
-          <a:xfrm>
-            <a:off x="4397463" y="2525945"/>
-            <a:ext cx="674866" cy="665557"/>
-          </a:xfrm>
-          <a:prstGeom prst="ellipse">
-            <a:avLst/>
-          </a:prstGeom>
-          <a:solidFill>
-            <a:schemeClr val="accent4">
-              <a:lumMod val="40000"/>
-              <a:lumOff val="60000"/>
-            </a:schemeClr>
-          </a:solidFill>
-          <a:ln>
-            <a:noFill/>
-          </a:ln>
-        </p:spPr>
-        <p:style>
-          <a:lnRef idx="1">
-            <a:schemeClr val="accent1"/>
-          </a:lnRef>
-          <a:fillRef idx="3">
-            <a:schemeClr val="accent1"/>
-          </a:fillRef>
-          <a:effectRef idx="2">
-            <a:schemeClr val="accent1"/>
-          </a:effectRef>
-          <a:fontRef idx="minor">
-            <a:schemeClr val="lt1"/>
-          </a:fontRef>
-        </p:style>
-        <p:txBody>
-          <a:bodyPr lIns="0" tIns="0" rIns="0" bIns="0" rtlCol="0" anchor="ctr"/>
-          <a:lstStyle>
-            <a:defPPr>
-              <a:defRPr lang="de-DE"/>
-            </a:defPPr>
-            <a:lvl1pPr marL="0" algn="l" defTabSz="914400" rtl="0" eaLnBrk="1" latinLnBrk="0" hangingPunct="1">
-              <a:defRPr sz="1800" kern="1200">
-                <a:solidFill>
-                  <a:schemeClr val="lt1"/>
-                </a:solidFill>
-                <a:latin typeface="+mn-lt"/>
-                <a:ea typeface="+mn-ea"/>
-                <a:cs typeface="+mn-cs"/>
-              </a:defRPr>
-            </a:lvl1pPr>
-            <a:lvl2pPr marL="457200" algn="l" defTabSz="914400" rtl="0" eaLnBrk="1" latinLnBrk="0" hangingPunct="1">
-              <a:defRPr sz="1800" kern="1200">
-                <a:solidFill>
-                  <a:schemeClr val="lt1"/>
-                </a:solidFill>
-                <a:latin typeface="+mn-lt"/>
-                <a:ea typeface="+mn-ea"/>
-                <a:cs typeface="+mn-cs"/>
-              </a:defRPr>
-            </a:lvl2pPr>
-            <a:lvl3pPr marL="914400" algn="l" defTabSz="914400" rtl="0" eaLnBrk="1" latinLnBrk="0" hangingPunct="1">
-              <a:defRPr sz="1800" kern="1200">
-                <a:solidFill>
-                  <a:schemeClr val="lt1"/>
-                </a:solidFill>
-                <a:latin typeface="+mn-lt"/>
-                <a:ea typeface="+mn-ea"/>
-                <a:cs typeface="+mn-cs"/>
-              </a:defRPr>
-            </a:lvl3pPr>
-            <a:lvl4pPr marL="1371600" algn="l" defTabSz="914400" rtl="0" eaLnBrk="1" latinLnBrk="0" hangingPunct="1">
-              <a:defRPr sz="1800" kern="1200">
-                <a:solidFill>
-                  <a:schemeClr val="lt1"/>
-                </a:solidFill>
-                <a:latin typeface="+mn-lt"/>
-                <a:ea typeface="+mn-ea"/>
-                <a:cs typeface="+mn-cs"/>
-              </a:defRPr>
-            </a:lvl4pPr>
-            <a:lvl5pPr marL="1828800" algn="l" defTabSz="914400" rtl="0" eaLnBrk="1" latinLnBrk="0" hangingPunct="1">
-              <a:defRPr sz="1800" kern="1200">
-                <a:solidFill>
-                  <a:schemeClr val="lt1"/>
-                </a:solidFill>
-                <a:latin typeface="+mn-lt"/>
-                <a:ea typeface="+mn-ea"/>
-                <a:cs typeface="+mn-cs"/>
-              </a:defRPr>
-            </a:lvl5pPr>
-            <a:lvl6pPr marL="2286000" algn="l" defTabSz="914400" rtl="0" eaLnBrk="1" latinLnBrk="0" hangingPunct="1">
-              <a:defRPr sz="1800" kern="1200">
-                <a:solidFill>
-                  <a:schemeClr val="lt1"/>
-                </a:solidFill>
-                <a:latin typeface="+mn-lt"/>
-                <a:ea typeface="+mn-ea"/>
-                <a:cs typeface="+mn-cs"/>
-              </a:defRPr>
-            </a:lvl6pPr>
-            <a:lvl7pPr marL="2743200" algn="l" defTabSz="914400" rtl="0" eaLnBrk="1" latinLnBrk="0" hangingPunct="1">
-              <a:defRPr sz="1800" kern="1200">
-                <a:solidFill>
-                  <a:schemeClr val="lt1"/>
-                </a:solidFill>
-                <a:latin typeface="+mn-lt"/>
-                <a:ea typeface="+mn-ea"/>
-                <a:cs typeface="+mn-cs"/>
-              </a:defRPr>
-            </a:lvl7pPr>
-            <a:lvl8pPr marL="3200400" algn="l" defTabSz="914400" rtl="0" eaLnBrk="1" latinLnBrk="0" hangingPunct="1">
-              <a:defRPr sz="1800" kern="1200">
-                <a:solidFill>
-                  <a:schemeClr val="lt1"/>
-                </a:solidFill>
-                <a:latin typeface="+mn-lt"/>
-                <a:ea typeface="+mn-ea"/>
-                <a:cs typeface="+mn-cs"/>
-              </a:defRPr>
-            </a:lvl8pPr>
-            <a:lvl9pPr marL="3657600" algn="l" defTabSz="914400" rtl="0" eaLnBrk="1" latinLnBrk="0" hangingPunct="1">
-              <a:defRPr sz="1800" kern="1200">
-                <a:solidFill>
-                  <a:schemeClr val="lt1"/>
-                </a:solidFill>
-                <a:latin typeface="+mn-lt"/>
-                <a:ea typeface="+mn-ea"/>
-                <a:cs typeface="+mn-cs"/>
-              </a:defRPr>
-            </a:lvl9pPr>
-          </a:lstStyle>
-          <a:p>
-            <a:pPr algn="ctr" defTabSz="696773"/>
-            <a:r>
-              <a:rPr lang="en-AU" sz="686">
-                <a:solidFill>
-                  <a:srgbClr val="000000"/>
-                </a:solidFill>
-                <a:latin typeface="Okomito Next" pitchFamily="2" charset="77"/>
-                <a:cs typeface="Segoe UI Light" panose="020B0502040204020203" pitchFamily="34" charset="0"/>
-              </a:rPr>
-              <a:t>Batch</a:t>
-            </a:r>
-          </a:p>
-        </p:txBody>
-      </p:sp>
       <p:sp>
         <p:nvSpPr>
           <p:cNvPr id="32" name="Oval 31">
@@ -9487,7 +9174,7 @@
         </p:nvGrpSpPr>
         <p:grpSpPr>
           <a:xfrm>
-            <a:off x="4039985" y="3569722"/>
+            <a:off x="3786146" y="4021361"/>
             <a:ext cx="92099" cy="85531"/>
             <a:chOff x="4685955" y="3178928"/>
             <a:chExt cx="215409" cy="200045"/>
@@ -9601,8 +9288,8 @@
           <p:nvPr/>
         </p:nvGrpSpPr>
         <p:grpSpPr>
-          <a:xfrm rot="18425742">
-            <a:off x="4363680" y="4087862"/>
+          <a:xfrm rot="5400000">
+            <a:off x="4026254" y="4257228"/>
             <a:ext cx="95823" cy="85531"/>
             <a:chOff x="4677246" y="3178928"/>
             <a:chExt cx="224118" cy="200045"/>
@@ -9703,162 +9390,6 @@
           </p:style>
         </p:cxnSp>
       </p:grpSp>
-      <p:sp>
-        <p:nvSpPr>
-          <p:cNvPr id="56" name="Oval 55">
-            <a:extLst>
-              <a:ext uri="{FF2B5EF4-FFF2-40B4-BE49-F238E27FC236}">
-                <a16:creationId xmlns:a16="http://schemas.microsoft.com/office/drawing/2014/main" id="{AF5EE437-DA6B-8F9D-18A8-1E6EFEEE430F}"/>
-              </a:ext>
-            </a:extLst>
-          </p:cNvPr>
-          <p:cNvSpPr/>
-          <p:nvPr/>
-        </p:nvSpPr>
-        <p:spPr>
-          <a:xfrm>
-            <a:off x="4397463" y="3967377"/>
-            <a:ext cx="674866" cy="665557"/>
-          </a:xfrm>
-          <a:prstGeom prst="ellipse">
-            <a:avLst/>
-          </a:prstGeom>
-          <a:solidFill>
-            <a:schemeClr val="accent4">
-              <a:lumMod val="40000"/>
-              <a:lumOff val="60000"/>
-            </a:schemeClr>
-          </a:solidFill>
-          <a:ln>
-            <a:noFill/>
-          </a:ln>
-        </p:spPr>
-        <p:style>
-          <a:lnRef idx="1">
-            <a:schemeClr val="accent1"/>
-          </a:lnRef>
-          <a:fillRef idx="3">
-            <a:schemeClr val="accent1"/>
-          </a:fillRef>
-          <a:effectRef idx="2">
-            <a:schemeClr val="accent1"/>
-          </a:effectRef>
-          <a:fontRef idx="minor">
-            <a:schemeClr val="lt1"/>
-          </a:fontRef>
-        </p:style>
-        <p:txBody>
-          <a:bodyPr lIns="0" tIns="0" rIns="0" bIns="0" rtlCol="0" anchor="ctr"/>
-          <a:lstStyle>
-            <a:defPPr>
-              <a:defRPr lang="de-DE"/>
-            </a:defPPr>
-            <a:lvl1pPr marL="0" algn="l" defTabSz="914400" rtl="0" eaLnBrk="1" latinLnBrk="0" hangingPunct="1">
-              <a:defRPr sz="1800" kern="1200">
-                <a:solidFill>
-                  <a:schemeClr val="lt1"/>
-                </a:solidFill>
-                <a:latin typeface="+mn-lt"/>
-                <a:ea typeface="+mn-ea"/>
-                <a:cs typeface="+mn-cs"/>
-              </a:defRPr>
-            </a:lvl1pPr>
-            <a:lvl2pPr marL="457200" algn="l" defTabSz="914400" rtl="0" eaLnBrk="1" latinLnBrk="0" hangingPunct="1">
-              <a:defRPr sz="1800" kern="1200">
-                <a:solidFill>
-                  <a:schemeClr val="lt1"/>
-                </a:solidFill>
-                <a:latin typeface="+mn-lt"/>
-                <a:ea typeface="+mn-ea"/>
-                <a:cs typeface="+mn-cs"/>
-              </a:defRPr>
-            </a:lvl2pPr>
-            <a:lvl3pPr marL="914400" algn="l" defTabSz="914400" rtl="0" eaLnBrk="1" latinLnBrk="0" hangingPunct="1">
-              <a:defRPr sz="1800" kern="1200">
-                <a:solidFill>
-                  <a:schemeClr val="lt1"/>
-                </a:solidFill>
-                <a:latin typeface="+mn-lt"/>
-                <a:ea typeface="+mn-ea"/>
-                <a:cs typeface="+mn-cs"/>
-              </a:defRPr>
-            </a:lvl3pPr>
-            <a:lvl4pPr marL="1371600" algn="l" defTabSz="914400" rtl="0" eaLnBrk="1" latinLnBrk="0" hangingPunct="1">
-              <a:defRPr sz="1800" kern="1200">
-                <a:solidFill>
-                  <a:schemeClr val="lt1"/>
-                </a:solidFill>
-                <a:latin typeface="+mn-lt"/>
-                <a:ea typeface="+mn-ea"/>
-                <a:cs typeface="+mn-cs"/>
-              </a:defRPr>
-            </a:lvl4pPr>
-            <a:lvl5pPr marL="1828800" algn="l" defTabSz="914400" rtl="0" eaLnBrk="1" latinLnBrk="0" hangingPunct="1">
-              <a:defRPr sz="1800" kern="1200">
-                <a:solidFill>
-                  <a:schemeClr val="lt1"/>
-                </a:solidFill>
-                <a:latin typeface="+mn-lt"/>
-                <a:ea typeface="+mn-ea"/>
-                <a:cs typeface="+mn-cs"/>
-              </a:defRPr>
-            </a:lvl5pPr>
-            <a:lvl6pPr marL="2286000" algn="l" defTabSz="914400" rtl="0" eaLnBrk="1" latinLnBrk="0" hangingPunct="1">
-              <a:defRPr sz="1800" kern="1200">
-                <a:solidFill>
-                  <a:schemeClr val="lt1"/>
-                </a:solidFill>
-                <a:latin typeface="+mn-lt"/>
-                <a:ea typeface="+mn-ea"/>
-                <a:cs typeface="+mn-cs"/>
-              </a:defRPr>
-            </a:lvl6pPr>
-            <a:lvl7pPr marL="2743200" algn="l" defTabSz="914400" rtl="0" eaLnBrk="1" latinLnBrk="0" hangingPunct="1">
-              <a:defRPr sz="1800" kern="1200">
-                <a:solidFill>
-                  <a:schemeClr val="lt1"/>
-                </a:solidFill>
-                <a:latin typeface="+mn-lt"/>
-                <a:ea typeface="+mn-ea"/>
-                <a:cs typeface="+mn-cs"/>
-              </a:defRPr>
-            </a:lvl7pPr>
-            <a:lvl8pPr marL="3200400" algn="l" defTabSz="914400" rtl="0" eaLnBrk="1" latinLnBrk="0" hangingPunct="1">
-              <a:defRPr sz="1800" kern="1200">
-                <a:solidFill>
-                  <a:schemeClr val="lt1"/>
-                </a:solidFill>
-                <a:latin typeface="+mn-lt"/>
-                <a:ea typeface="+mn-ea"/>
-                <a:cs typeface="+mn-cs"/>
-              </a:defRPr>
-            </a:lvl8pPr>
-            <a:lvl9pPr marL="3657600" algn="l" defTabSz="914400" rtl="0" eaLnBrk="1" latinLnBrk="0" hangingPunct="1">
-              <a:defRPr sz="1800" kern="1200">
-                <a:solidFill>
-                  <a:schemeClr val="lt1"/>
-                </a:solidFill>
-                <a:latin typeface="+mn-lt"/>
-                <a:ea typeface="+mn-ea"/>
-                <a:cs typeface="+mn-cs"/>
-              </a:defRPr>
-            </a:lvl9pPr>
-          </a:lstStyle>
-          <a:p>
-            <a:pPr algn="ctr" defTabSz="696773"/>
-            <a:r>
-              <a:rPr lang="en-AU" sz="686">
-                <a:solidFill>
-                  <a:srgbClr val="000000"/>
-                </a:solidFill>
-                <a:latin typeface="Okomito Next" pitchFamily="2" charset="77"/>
-                <a:cs typeface="Segoe UI Light" panose="020B0502040204020203" pitchFamily="34" charset="0"/>
-              </a:rPr>
-              <a:t>Module</a:t>
-            </a:r>
-          </a:p>
-        </p:txBody>
-      </p:sp>
       <p:cxnSp>
         <p:nvCxnSpPr>
           <p:cNvPr id="96" name="Straight Connector 95">
@@ -10834,6 +10365,958 @@
           </p:style>
         </p:cxnSp>
       </p:grpSp>
+      <p:sp>
+        <p:nvSpPr>
+          <p:cNvPr id="31" name="Oval 30">
+            <a:extLst>
+              <a:ext uri="{FF2B5EF4-FFF2-40B4-BE49-F238E27FC236}">
+                <a16:creationId xmlns:a16="http://schemas.microsoft.com/office/drawing/2014/main" id="{B09E90B5-296C-7EA7-529C-70287A194563}"/>
+              </a:ext>
+            </a:extLst>
+          </p:cNvPr>
+          <p:cNvSpPr/>
+          <p:nvPr/>
+        </p:nvSpPr>
+        <p:spPr>
+          <a:xfrm>
+            <a:off x="3612012" y="4092914"/>
+            <a:ext cx="437353" cy="414161"/>
+          </a:xfrm>
+          <a:prstGeom prst="ellipse">
+            <a:avLst/>
+          </a:prstGeom>
+          <a:solidFill>
+            <a:schemeClr val="accent4">
+              <a:lumMod val="40000"/>
+              <a:lumOff val="60000"/>
+            </a:schemeClr>
+          </a:solidFill>
+          <a:ln>
+            <a:noFill/>
+          </a:ln>
+        </p:spPr>
+        <p:style>
+          <a:lnRef idx="1">
+            <a:schemeClr val="accent1"/>
+          </a:lnRef>
+          <a:fillRef idx="3">
+            <a:schemeClr val="accent1"/>
+          </a:fillRef>
+          <a:effectRef idx="2">
+            <a:schemeClr val="accent1"/>
+          </a:effectRef>
+          <a:fontRef idx="minor">
+            <a:schemeClr val="lt1"/>
+          </a:fontRef>
+        </p:style>
+        <p:txBody>
+          <a:bodyPr lIns="0" tIns="0" rIns="0" bIns="0" rtlCol="0" anchor="ctr"/>
+          <a:lstStyle>
+            <a:defPPr>
+              <a:defRPr lang="de-DE"/>
+            </a:defPPr>
+            <a:lvl1pPr marL="0" algn="l" defTabSz="914400" rtl="0" eaLnBrk="1" latinLnBrk="0" hangingPunct="1">
+              <a:defRPr sz="1800" kern="1200">
+                <a:solidFill>
+                  <a:schemeClr val="lt1"/>
+                </a:solidFill>
+                <a:latin typeface="+mn-lt"/>
+                <a:ea typeface="+mn-ea"/>
+                <a:cs typeface="+mn-cs"/>
+              </a:defRPr>
+            </a:lvl1pPr>
+            <a:lvl2pPr marL="457200" algn="l" defTabSz="914400" rtl="0" eaLnBrk="1" latinLnBrk="0" hangingPunct="1">
+              <a:defRPr sz="1800" kern="1200">
+                <a:solidFill>
+                  <a:schemeClr val="lt1"/>
+                </a:solidFill>
+                <a:latin typeface="+mn-lt"/>
+                <a:ea typeface="+mn-ea"/>
+                <a:cs typeface="+mn-cs"/>
+              </a:defRPr>
+            </a:lvl2pPr>
+            <a:lvl3pPr marL="914400" algn="l" defTabSz="914400" rtl="0" eaLnBrk="1" latinLnBrk="0" hangingPunct="1">
+              <a:defRPr sz="1800" kern="1200">
+                <a:solidFill>
+                  <a:schemeClr val="lt1"/>
+                </a:solidFill>
+                <a:latin typeface="+mn-lt"/>
+                <a:ea typeface="+mn-ea"/>
+                <a:cs typeface="+mn-cs"/>
+              </a:defRPr>
+            </a:lvl3pPr>
+            <a:lvl4pPr marL="1371600" algn="l" defTabSz="914400" rtl="0" eaLnBrk="1" latinLnBrk="0" hangingPunct="1">
+              <a:defRPr sz="1800" kern="1200">
+                <a:solidFill>
+                  <a:schemeClr val="lt1"/>
+                </a:solidFill>
+                <a:latin typeface="+mn-lt"/>
+                <a:ea typeface="+mn-ea"/>
+                <a:cs typeface="+mn-cs"/>
+              </a:defRPr>
+            </a:lvl4pPr>
+            <a:lvl5pPr marL="1828800" algn="l" defTabSz="914400" rtl="0" eaLnBrk="1" latinLnBrk="0" hangingPunct="1">
+              <a:defRPr sz="1800" kern="1200">
+                <a:solidFill>
+                  <a:schemeClr val="lt1"/>
+                </a:solidFill>
+                <a:latin typeface="+mn-lt"/>
+                <a:ea typeface="+mn-ea"/>
+                <a:cs typeface="+mn-cs"/>
+              </a:defRPr>
+            </a:lvl5pPr>
+            <a:lvl6pPr marL="2286000" algn="l" defTabSz="914400" rtl="0" eaLnBrk="1" latinLnBrk="0" hangingPunct="1">
+              <a:defRPr sz="1800" kern="1200">
+                <a:solidFill>
+                  <a:schemeClr val="lt1"/>
+                </a:solidFill>
+                <a:latin typeface="+mn-lt"/>
+                <a:ea typeface="+mn-ea"/>
+                <a:cs typeface="+mn-cs"/>
+              </a:defRPr>
+            </a:lvl6pPr>
+            <a:lvl7pPr marL="2743200" algn="l" defTabSz="914400" rtl="0" eaLnBrk="1" latinLnBrk="0" hangingPunct="1">
+              <a:defRPr sz="1800" kern="1200">
+                <a:solidFill>
+                  <a:schemeClr val="lt1"/>
+                </a:solidFill>
+                <a:latin typeface="+mn-lt"/>
+                <a:ea typeface="+mn-ea"/>
+                <a:cs typeface="+mn-cs"/>
+              </a:defRPr>
+            </a:lvl7pPr>
+            <a:lvl8pPr marL="3200400" algn="l" defTabSz="914400" rtl="0" eaLnBrk="1" latinLnBrk="0" hangingPunct="1">
+              <a:defRPr sz="1800" kern="1200">
+                <a:solidFill>
+                  <a:schemeClr val="lt1"/>
+                </a:solidFill>
+                <a:latin typeface="+mn-lt"/>
+                <a:ea typeface="+mn-ea"/>
+                <a:cs typeface="+mn-cs"/>
+              </a:defRPr>
+            </a:lvl8pPr>
+            <a:lvl9pPr marL="3657600" algn="l" defTabSz="914400" rtl="0" eaLnBrk="1" latinLnBrk="0" hangingPunct="1">
+              <a:defRPr sz="1800" kern="1200">
+                <a:solidFill>
+                  <a:schemeClr val="lt1"/>
+                </a:solidFill>
+                <a:latin typeface="+mn-lt"/>
+                <a:ea typeface="+mn-ea"/>
+                <a:cs typeface="+mn-cs"/>
+              </a:defRPr>
+            </a:lvl9pPr>
+          </a:lstStyle>
+          <a:p>
+            <a:pPr algn="ctr" defTabSz="696773"/>
+            <a:r>
+              <a:rPr lang="en-AU" sz="457">
+                <a:solidFill>
+                  <a:srgbClr val="000000"/>
+                </a:solidFill>
+                <a:latin typeface="Okomito Next" pitchFamily="2" charset="77"/>
+                <a:cs typeface="Segoe UI Light" panose="020B0502040204020203" pitchFamily="34" charset="0"/>
+              </a:rPr>
+              <a:t>Area</a:t>
+            </a:r>
+          </a:p>
+        </p:txBody>
+      </p:sp>
+      <p:cxnSp>
+        <p:nvCxnSpPr>
+          <p:cNvPr id="45" name="Straight Connector 44">
+            <a:extLst>
+              <a:ext uri="{FF2B5EF4-FFF2-40B4-BE49-F238E27FC236}">
+                <a16:creationId xmlns:a16="http://schemas.microsoft.com/office/drawing/2014/main" id="{FCAEC83B-16B6-8C07-FE01-012A1A1A98E3}"/>
+              </a:ext>
+            </a:extLst>
+          </p:cNvPr>
+          <p:cNvCxnSpPr>
+            <a:cxnSpLocks/>
+          </p:cNvCxnSpPr>
+          <p:nvPr/>
+        </p:nvCxnSpPr>
+        <p:spPr>
+          <a:xfrm>
+            <a:off x="4385088" y="3784990"/>
+            <a:ext cx="220749" cy="215851"/>
+          </a:xfrm>
+          <a:prstGeom prst="line">
+            <a:avLst/>
+          </a:prstGeom>
+          <a:ln>
+            <a:solidFill>
+              <a:schemeClr val="tx1">
+                <a:lumMod val="50000"/>
+                <a:lumOff val="50000"/>
+              </a:schemeClr>
+            </a:solidFill>
+          </a:ln>
+          <a:effectLst/>
+        </p:spPr>
+        <p:style>
+          <a:lnRef idx="2">
+            <a:schemeClr val="accent1"/>
+          </a:lnRef>
+          <a:fillRef idx="0">
+            <a:schemeClr val="accent1"/>
+          </a:fillRef>
+          <a:effectRef idx="1">
+            <a:schemeClr val="accent1"/>
+          </a:effectRef>
+          <a:fontRef idx="minor">
+            <a:schemeClr val="tx1"/>
+          </a:fontRef>
+        </p:style>
+      </p:cxnSp>
+      <p:cxnSp>
+        <p:nvCxnSpPr>
+          <p:cNvPr id="58" name="Straight Connector 57">
+            <a:extLst>
+              <a:ext uri="{FF2B5EF4-FFF2-40B4-BE49-F238E27FC236}">
+                <a16:creationId xmlns:a16="http://schemas.microsoft.com/office/drawing/2014/main" id="{C13AD53F-0438-3C99-2225-D1B4792B4EF6}"/>
+              </a:ext>
+            </a:extLst>
+          </p:cNvPr>
+          <p:cNvCxnSpPr>
+            <a:cxnSpLocks/>
+          </p:cNvCxnSpPr>
+          <p:nvPr/>
+        </p:nvCxnSpPr>
+        <p:spPr>
+          <a:xfrm flipV="1">
+            <a:off x="4386884" y="3163589"/>
+            <a:ext cx="207065" cy="337162"/>
+          </a:xfrm>
+          <a:prstGeom prst="line">
+            <a:avLst/>
+          </a:prstGeom>
+          <a:ln>
+            <a:solidFill>
+              <a:schemeClr val="tx1">
+                <a:lumMod val="50000"/>
+                <a:lumOff val="50000"/>
+              </a:schemeClr>
+            </a:solidFill>
+          </a:ln>
+          <a:effectLst/>
+        </p:spPr>
+        <p:style>
+          <a:lnRef idx="2">
+            <a:schemeClr val="accent1"/>
+          </a:lnRef>
+          <a:fillRef idx="0">
+            <a:schemeClr val="accent1"/>
+          </a:fillRef>
+          <a:effectRef idx="1">
+            <a:schemeClr val="accent1"/>
+          </a:effectRef>
+          <a:fontRef idx="minor">
+            <a:schemeClr val="tx1"/>
+          </a:fontRef>
+        </p:style>
+      </p:cxnSp>
+      <p:grpSp>
+        <p:nvGrpSpPr>
+          <p:cNvPr id="61" name="Group 60">
+            <a:extLst>
+              <a:ext uri="{FF2B5EF4-FFF2-40B4-BE49-F238E27FC236}">
+                <a16:creationId xmlns:a16="http://schemas.microsoft.com/office/drawing/2014/main" id="{7A74CFFF-55ED-EE8B-DD82-CB9C69FBE30B}"/>
+              </a:ext>
+            </a:extLst>
+          </p:cNvPr>
+          <p:cNvGrpSpPr/>
+          <p:nvPr/>
+        </p:nvGrpSpPr>
+        <p:grpSpPr>
+          <a:xfrm rot="12889257">
+            <a:off x="4528647" y="3140051"/>
+            <a:ext cx="95823" cy="85531"/>
+            <a:chOff x="4677246" y="3178928"/>
+            <a:chExt cx="224118" cy="200045"/>
+          </a:xfrm>
+        </p:grpSpPr>
+        <p:cxnSp>
+          <p:nvCxnSpPr>
+            <p:cNvPr id="62" name="Straight Connector 61">
+              <a:extLst>
+                <a:ext uri="{FF2B5EF4-FFF2-40B4-BE49-F238E27FC236}">
+                  <a16:creationId xmlns:a16="http://schemas.microsoft.com/office/drawing/2014/main" id="{9A97D31B-E20D-4592-DA3E-182E97BEE04D}"/>
+                </a:ext>
+              </a:extLst>
+            </p:cNvPr>
+            <p:cNvCxnSpPr>
+              <a:cxnSpLocks/>
+            </p:cNvCxnSpPr>
+            <p:nvPr/>
+          </p:nvCxnSpPr>
+          <p:spPr>
+            <a:xfrm flipH="1" flipV="1">
+              <a:off x="4797163" y="3190289"/>
+              <a:ext cx="104201" cy="188684"/>
+            </a:xfrm>
+            <a:prstGeom prst="line">
+              <a:avLst/>
+            </a:prstGeom>
+            <a:ln>
+              <a:solidFill>
+                <a:schemeClr val="tx1">
+                  <a:lumMod val="50000"/>
+                  <a:lumOff val="50000"/>
+                </a:schemeClr>
+              </a:solidFill>
+            </a:ln>
+            <a:effectLst/>
+          </p:spPr>
+          <p:style>
+            <a:lnRef idx="2">
+              <a:schemeClr val="accent1"/>
+            </a:lnRef>
+            <a:fillRef idx="0">
+              <a:schemeClr val="accent1"/>
+            </a:fillRef>
+            <a:effectRef idx="1">
+              <a:schemeClr val="accent1"/>
+            </a:effectRef>
+            <a:fontRef idx="minor">
+              <a:schemeClr val="tx1"/>
+            </a:fontRef>
+          </p:style>
+        </p:cxnSp>
+        <p:cxnSp>
+          <p:nvCxnSpPr>
+            <p:cNvPr id="67" name="Straight Connector 66">
+              <a:extLst>
+                <a:ext uri="{FF2B5EF4-FFF2-40B4-BE49-F238E27FC236}">
+                  <a16:creationId xmlns:a16="http://schemas.microsoft.com/office/drawing/2014/main" id="{DB4A043C-303B-1FA8-AF45-B5324EB8B4B3}"/>
+                </a:ext>
+              </a:extLst>
+            </p:cNvPr>
+            <p:cNvCxnSpPr>
+              <a:cxnSpLocks/>
+            </p:cNvCxnSpPr>
+            <p:nvPr/>
+          </p:nvCxnSpPr>
+          <p:spPr>
+            <a:xfrm flipV="1">
+              <a:off x="4677246" y="3178928"/>
+              <a:ext cx="118317" cy="185500"/>
+            </a:xfrm>
+            <a:prstGeom prst="line">
+              <a:avLst/>
+            </a:prstGeom>
+            <a:ln>
+              <a:solidFill>
+                <a:schemeClr val="tx1">
+                  <a:lumMod val="50000"/>
+                  <a:lumOff val="50000"/>
+                </a:schemeClr>
+              </a:solidFill>
+            </a:ln>
+            <a:effectLst/>
+          </p:spPr>
+          <p:style>
+            <a:lnRef idx="2">
+              <a:schemeClr val="accent1"/>
+            </a:lnRef>
+            <a:fillRef idx="0">
+              <a:schemeClr val="accent1"/>
+            </a:fillRef>
+            <a:effectRef idx="1">
+              <a:schemeClr val="accent1"/>
+            </a:effectRef>
+            <a:fontRef idx="minor">
+              <a:schemeClr val="tx1"/>
+            </a:fontRef>
+          </p:style>
+        </p:cxnSp>
+      </p:grpSp>
+      <p:grpSp>
+        <p:nvGrpSpPr>
+          <p:cNvPr id="68" name="Group 67">
+            <a:extLst>
+              <a:ext uri="{FF2B5EF4-FFF2-40B4-BE49-F238E27FC236}">
+                <a16:creationId xmlns:a16="http://schemas.microsoft.com/office/drawing/2014/main" id="{B6E6C1B7-10ED-CA76-6509-3379BE164D86}"/>
+              </a:ext>
+            </a:extLst>
+          </p:cNvPr>
+          <p:cNvGrpSpPr/>
+          <p:nvPr/>
+        </p:nvGrpSpPr>
+        <p:grpSpPr>
+          <a:xfrm rot="19153662">
+            <a:off x="4522811" y="3934432"/>
+            <a:ext cx="95823" cy="85531"/>
+            <a:chOff x="4677246" y="3178928"/>
+            <a:chExt cx="224118" cy="200045"/>
+          </a:xfrm>
+        </p:grpSpPr>
+        <p:cxnSp>
+          <p:nvCxnSpPr>
+            <p:cNvPr id="95" name="Straight Connector 94">
+              <a:extLst>
+                <a:ext uri="{FF2B5EF4-FFF2-40B4-BE49-F238E27FC236}">
+                  <a16:creationId xmlns:a16="http://schemas.microsoft.com/office/drawing/2014/main" id="{79106A24-75D2-617F-6F33-078C8F0D6EE1}"/>
+                </a:ext>
+              </a:extLst>
+            </p:cNvPr>
+            <p:cNvCxnSpPr>
+              <a:cxnSpLocks/>
+            </p:cNvCxnSpPr>
+            <p:nvPr/>
+          </p:nvCxnSpPr>
+          <p:spPr>
+            <a:xfrm flipH="1" flipV="1">
+              <a:off x="4797163" y="3190289"/>
+              <a:ext cx="104201" cy="188684"/>
+            </a:xfrm>
+            <a:prstGeom prst="line">
+              <a:avLst/>
+            </a:prstGeom>
+            <a:ln>
+              <a:solidFill>
+                <a:schemeClr val="tx1">
+                  <a:lumMod val="50000"/>
+                  <a:lumOff val="50000"/>
+                </a:schemeClr>
+              </a:solidFill>
+            </a:ln>
+            <a:effectLst/>
+          </p:spPr>
+          <p:style>
+            <a:lnRef idx="2">
+              <a:schemeClr val="accent1"/>
+            </a:lnRef>
+            <a:fillRef idx="0">
+              <a:schemeClr val="accent1"/>
+            </a:fillRef>
+            <a:effectRef idx="1">
+              <a:schemeClr val="accent1"/>
+            </a:effectRef>
+            <a:fontRef idx="minor">
+              <a:schemeClr val="tx1"/>
+            </a:fontRef>
+          </p:style>
+        </p:cxnSp>
+        <p:cxnSp>
+          <p:nvCxnSpPr>
+            <p:cNvPr id="100" name="Straight Connector 99">
+              <a:extLst>
+                <a:ext uri="{FF2B5EF4-FFF2-40B4-BE49-F238E27FC236}">
+                  <a16:creationId xmlns:a16="http://schemas.microsoft.com/office/drawing/2014/main" id="{77DDBFB2-D799-439E-A0D3-5D6CAC9A3F0D}"/>
+                </a:ext>
+              </a:extLst>
+            </p:cNvPr>
+            <p:cNvCxnSpPr>
+              <a:cxnSpLocks/>
+            </p:cNvCxnSpPr>
+            <p:nvPr/>
+          </p:nvCxnSpPr>
+          <p:spPr>
+            <a:xfrm flipV="1">
+              <a:off x="4677246" y="3178928"/>
+              <a:ext cx="118317" cy="185500"/>
+            </a:xfrm>
+            <a:prstGeom prst="line">
+              <a:avLst/>
+            </a:prstGeom>
+            <a:ln>
+              <a:solidFill>
+                <a:schemeClr val="tx1">
+                  <a:lumMod val="50000"/>
+                  <a:lumOff val="50000"/>
+                </a:schemeClr>
+              </a:solidFill>
+            </a:ln>
+            <a:effectLst/>
+          </p:spPr>
+          <p:style>
+            <a:lnRef idx="2">
+              <a:schemeClr val="accent1"/>
+            </a:lnRef>
+            <a:fillRef idx="0">
+              <a:schemeClr val="accent1"/>
+            </a:fillRef>
+            <a:effectRef idx="1">
+              <a:schemeClr val="accent1"/>
+            </a:effectRef>
+            <a:fontRef idx="minor">
+              <a:schemeClr val="tx1"/>
+            </a:fontRef>
+          </p:style>
+        </p:cxnSp>
+      </p:grpSp>
+      <p:sp>
+        <p:nvSpPr>
+          <p:cNvPr id="101" name="Oval 100">
+            <a:extLst>
+              <a:ext uri="{FF2B5EF4-FFF2-40B4-BE49-F238E27FC236}">
+                <a16:creationId xmlns:a16="http://schemas.microsoft.com/office/drawing/2014/main" id="{AF5EE437-DA6B-8F9D-18A8-1E6EFEEE430F}"/>
+              </a:ext>
+            </a:extLst>
+          </p:cNvPr>
+          <p:cNvSpPr/>
+          <p:nvPr/>
+        </p:nvSpPr>
+        <p:spPr>
+          <a:xfrm>
+            <a:off x="4397463" y="3967377"/>
+            <a:ext cx="674866" cy="665557"/>
+          </a:xfrm>
+          <a:prstGeom prst="ellipse">
+            <a:avLst/>
+          </a:prstGeom>
+          <a:solidFill>
+            <a:schemeClr val="accent4">
+              <a:lumMod val="40000"/>
+              <a:lumOff val="60000"/>
+            </a:schemeClr>
+          </a:solidFill>
+          <a:ln>
+            <a:noFill/>
+          </a:ln>
+        </p:spPr>
+        <p:style>
+          <a:lnRef idx="1">
+            <a:schemeClr val="accent1"/>
+          </a:lnRef>
+          <a:fillRef idx="3">
+            <a:schemeClr val="accent1"/>
+          </a:fillRef>
+          <a:effectRef idx="2">
+            <a:schemeClr val="accent1"/>
+          </a:effectRef>
+          <a:fontRef idx="minor">
+            <a:schemeClr val="lt1"/>
+          </a:fontRef>
+        </p:style>
+        <p:txBody>
+          <a:bodyPr lIns="0" tIns="0" rIns="0" bIns="0" rtlCol="0" anchor="ctr"/>
+          <a:lstStyle>
+            <a:defPPr>
+              <a:defRPr lang="de-DE"/>
+            </a:defPPr>
+            <a:lvl1pPr marL="0" algn="l" defTabSz="914400" rtl="0" eaLnBrk="1" latinLnBrk="0" hangingPunct="1">
+              <a:defRPr sz="1800" kern="1200">
+                <a:solidFill>
+                  <a:schemeClr val="lt1"/>
+                </a:solidFill>
+                <a:latin typeface="+mn-lt"/>
+                <a:ea typeface="+mn-ea"/>
+                <a:cs typeface="+mn-cs"/>
+              </a:defRPr>
+            </a:lvl1pPr>
+            <a:lvl2pPr marL="457200" algn="l" defTabSz="914400" rtl="0" eaLnBrk="1" latinLnBrk="0" hangingPunct="1">
+              <a:defRPr sz="1800" kern="1200">
+                <a:solidFill>
+                  <a:schemeClr val="lt1"/>
+                </a:solidFill>
+                <a:latin typeface="+mn-lt"/>
+                <a:ea typeface="+mn-ea"/>
+                <a:cs typeface="+mn-cs"/>
+              </a:defRPr>
+            </a:lvl2pPr>
+            <a:lvl3pPr marL="914400" algn="l" defTabSz="914400" rtl="0" eaLnBrk="1" latinLnBrk="0" hangingPunct="1">
+              <a:defRPr sz="1800" kern="1200">
+                <a:solidFill>
+                  <a:schemeClr val="lt1"/>
+                </a:solidFill>
+                <a:latin typeface="+mn-lt"/>
+                <a:ea typeface="+mn-ea"/>
+                <a:cs typeface="+mn-cs"/>
+              </a:defRPr>
+            </a:lvl3pPr>
+            <a:lvl4pPr marL="1371600" algn="l" defTabSz="914400" rtl="0" eaLnBrk="1" latinLnBrk="0" hangingPunct="1">
+              <a:defRPr sz="1800" kern="1200">
+                <a:solidFill>
+                  <a:schemeClr val="lt1"/>
+                </a:solidFill>
+                <a:latin typeface="+mn-lt"/>
+                <a:ea typeface="+mn-ea"/>
+                <a:cs typeface="+mn-cs"/>
+              </a:defRPr>
+            </a:lvl4pPr>
+            <a:lvl5pPr marL="1828800" algn="l" defTabSz="914400" rtl="0" eaLnBrk="1" latinLnBrk="0" hangingPunct="1">
+              <a:defRPr sz="1800" kern="1200">
+                <a:solidFill>
+                  <a:schemeClr val="lt1"/>
+                </a:solidFill>
+                <a:latin typeface="+mn-lt"/>
+                <a:ea typeface="+mn-ea"/>
+                <a:cs typeface="+mn-cs"/>
+              </a:defRPr>
+            </a:lvl5pPr>
+            <a:lvl6pPr marL="2286000" algn="l" defTabSz="914400" rtl="0" eaLnBrk="1" latinLnBrk="0" hangingPunct="1">
+              <a:defRPr sz="1800" kern="1200">
+                <a:solidFill>
+                  <a:schemeClr val="lt1"/>
+                </a:solidFill>
+                <a:latin typeface="+mn-lt"/>
+                <a:ea typeface="+mn-ea"/>
+                <a:cs typeface="+mn-cs"/>
+              </a:defRPr>
+            </a:lvl6pPr>
+            <a:lvl7pPr marL="2743200" algn="l" defTabSz="914400" rtl="0" eaLnBrk="1" latinLnBrk="0" hangingPunct="1">
+              <a:defRPr sz="1800" kern="1200">
+                <a:solidFill>
+                  <a:schemeClr val="lt1"/>
+                </a:solidFill>
+                <a:latin typeface="+mn-lt"/>
+                <a:ea typeface="+mn-ea"/>
+                <a:cs typeface="+mn-cs"/>
+              </a:defRPr>
+            </a:lvl7pPr>
+            <a:lvl8pPr marL="3200400" algn="l" defTabSz="914400" rtl="0" eaLnBrk="1" latinLnBrk="0" hangingPunct="1">
+              <a:defRPr sz="1800" kern="1200">
+                <a:solidFill>
+                  <a:schemeClr val="lt1"/>
+                </a:solidFill>
+                <a:latin typeface="+mn-lt"/>
+                <a:ea typeface="+mn-ea"/>
+                <a:cs typeface="+mn-cs"/>
+              </a:defRPr>
+            </a:lvl8pPr>
+            <a:lvl9pPr marL="3657600" algn="l" defTabSz="914400" rtl="0" eaLnBrk="1" latinLnBrk="0" hangingPunct="1">
+              <a:defRPr sz="1800" kern="1200">
+                <a:solidFill>
+                  <a:schemeClr val="lt1"/>
+                </a:solidFill>
+                <a:latin typeface="+mn-lt"/>
+                <a:ea typeface="+mn-ea"/>
+                <a:cs typeface="+mn-cs"/>
+              </a:defRPr>
+            </a:lvl9pPr>
+          </a:lstStyle>
+          <a:p>
+            <a:pPr algn="ctr" defTabSz="696773"/>
+            <a:r>
+              <a:rPr lang="en-AU" sz="686">
+                <a:solidFill>
+                  <a:srgbClr val="000000"/>
+                </a:solidFill>
+                <a:latin typeface="Okomito Next" pitchFamily="2" charset="77"/>
+                <a:cs typeface="Segoe UI Light" panose="020B0502040204020203" pitchFamily="34" charset="0"/>
+              </a:rPr>
+              <a:t>Module</a:t>
+            </a:r>
+          </a:p>
+        </p:txBody>
+      </p:sp>
+      <p:sp>
+        <p:nvSpPr>
+          <p:cNvPr id="105" name="Oval 104">
+            <a:extLst>
+              <a:ext uri="{FF2B5EF4-FFF2-40B4-BE49-F238E27FC236}">
+                <a16:creationId xmlns:a16="http://schemas.microsoft.com/office/drawing/2014/main" id="{49849D36-8875-D331-1801-CE26645D3E7E}"/>
+              </a:ext>
+            </a:extLst>
+          </p:cNvPr>
+          <p:cNvSpPr/>
+          <p:nvPr/>
+        </p:nvSpPr>
+        <p:spPr>
+          <a:xfrm>
+            <a:off x="4404098" y="2528751"/>
+            <a:ext cx="674866" cy="665557"/>
+          </a:xfrm>
+          <a:prstGeom prst="ellipse">
+            <a:avLst/>
+          </a:prstGeom>
+          <a:solidFill>
+            <a:schemeClr val="accent4">
+              <a:lumMod val="40000"/>
+              <a:lumOff val="60000"/>
+            </a:schemeClr>
+          </a:solidFill>
+          <a:ln>
+            <a:noFill/>
+          </a:ln>
+        </p:spPr>
+        <p:style>
+          <a:lnRef idx="1">
+            <a:schemeClr val="accent1"/>
+          </a:lnRef>
+          <a:fillRef idx="3">
+            <a:schemeClr val="accent1"/>
+          </a:fillRef>
+          <a:effectRef idx="2">
+            <a:schemeClr val="accent1"/>
+          </a:effectRef>
+          <a:fontRef idx="minor">
+            <a:schemeClr val="lt1"/>
+          </a:fontRef>
+        </p:style>
+        <p:txBody>
+          <a:bodyPr lIns="0" tIns="0" rIns="0" bIns="0" rtlCol="0" anchor="ctr"/>
+          <a:lstStyle>
+            <a:defPPr>
+              <a:defRPr lang="de-DE"/>
+            </a:defPPr>
+            <a:lvl1pPr marL="0" algn="l" defTabSz="914400" rtl="0" eaLnBrk="1" latinLnBrk="0" hangingPunct="1">
+              <a:defRPr sz="1800" kern="1200">
+                <a:solidFill>
+                  <a:schemeClr val="lt1"/>
+                </a:solidFill>
+                <a:latin typeface="+mn-lt"/>
+                <a:ea typeface="+mn-ea"/>
+                <a:cs typeface="+mn-cs"/>
+              </a:defRPr>
+            </a:lvl1pPr>
+            <a:lvl2pPr marL="457200" algn="l" defTabSz="914400" rtl="0" eaLnBrk="1" latinLnBrk="0" hangingPunct="1">
+              <a:defRPr sz="1800" kern="1200">
+                <a:solidFill>
+                  <a:schemeClr val="lt1"/>
+                </a:solidFill>
+                <a:latin typeface="+mn-lt"/>
+                <a:ea typeface="+mn-ea"/>
+                <a:cs typeface="+mn-cs"/>
+              </a:defRPr>
+            </a:lvl2pPr>
+            <a:lvl3pPr marL="914400" algn="l" defTabSz="914400" rtl="0" eaLnBrk="1" latinLnBrk="0" hangingPunct="1">
+              <a:defRPr sz="1800" kern="1200">
+                <a:solidFill>
+                  <a:schemeClr val="lt1"/>
+                </a:solidFill>
+                <a:latin typeface="+mn-lt"/>
+                <a:ea typeface="+mn-ea"/>
+                <a:cs typeface="+mn-cs"/>
+              </a:defRPr>
+            </a:lvl3pPr>
+            <a:lvl4pPr marL="1371600" algn="l" defTabSz="914400" rtl="0" eaLnBrk="1" latinLnBrk="0" hangingPunct="1">
+              <a:defRPr sz="1800" kern="1200">
+                <a:solidFill>
+                  <a:schemeClr val="lt1"/>
+                </a:solidFill>
+                <a:latin typeface="+mn-lt"/>
+                <a:ea typeface="+mn-ea"/>
+                <a:cs typeface="+mn-cs"/>
+              </a:defRPr>
+            </a:lvl4pPr>
+            <a:lvl5pPr marL="1828800" algn="l" defTabSz="914400" rtl="0" eaLnBrk="1" latinLnBrk="0" hangingPunct="1">
+              <a:defRPr sz="1800" kern="1200">
+                <a:solidFill>
+                  <a:schemeClr val="lt1"/>
+                </a:solidFill>
+                <a:latin typeface="+mn-lt"/>
+                <a:ea typeface="+mn-ea"/>
+                <a:cs typeface="+mn-cs"/>
+              </a:defRPr>
+            </a:lvl5pPr>
+            <a:lvl6pPr marL="2286000" algn="l" defTabSz="914400" rtl="0" eaLnBrk="1" latinLnBrk="0" hangingPunct="1">
+              <a:defRPr sz="1800" kern="1200">
+                <a:solidFill>
+                  <a:schemeClr val="lt1"/>
+                </a:solidFill>
+                <a:latin typeface="+mn-lt"/>
+                <a:ea typeface="+mn-ea"/>
+                <a:cs typeface="+mn-cs"/>
+              </a:defRPr>
+            </a:lvl6pPr>
+            <a:lvl7pPr marL="2743200" algn="l" defTabSz="914400" rtl="0" eaLnBrk="1" latinLnBrk="0" hangingPunct="1">
+              <a:defRPr sz="1800" kern="1200">
+                <a:solidFill>
+                  <a:schemeClr val="lt1"/>
+                </a:solidFill>
+                <a:latin typeface="+mn-lt"/>
+                <a:ea typeface="+mn-ea"/>
+                <a:cs typeface="+mn-cs"/>
+              </a:defRPr>
+            </a:lvl7pPr>
+            <a:lvl8pPr marL="3200400" algn="l" defTabSz="914400" rtl="0" eaLnBrk="1" latinLnBrk="0" hangingPunct="1">
+              <a:defRPr sz="1800" kern="1200">
+                <a:solidFill>
+                  <a:schemeClr val="lt1"/>
+                </a:solidFill>
+                <a:latin typeface="+mn-lt"/>
+                <a:ea typeface="+mn-ea"/>
+                <a:cs typeface="+mn-cs"/>
+              </a:defRPr>
+            </a:lvl8pPr>
+            <a:lvl9pPr marL="3657600" algn="l" defTabSz="914400" rtl="0" eaLnBrk="1" latinLnBrk="0" hangingPunct="1">
+              <a:defRPr sz="1800" kern="1200">
+                <a:solidFill>
+                  <a:schemeClr val="lt1"/>
+                </a:solidFill>
+                <a:latin typeface="+mn-lt"/>
+                <a:ea typeface="+mn-ea"/>
+                <a:cs typeface="+mn-cs"/>
+              </a:defRPr>
+            </a:lvl9pPr>
+          </a:lstStyle>
+          <a:p>
+            <a:pPr algn="ctr" defTabSz="696773"/>
+            <a:r>
+              <a:rPr lang="en-AU" sz="686">
+                <a:solidFill>
+                  <a:srgbClr val="000000"/>
+                </a:solidFill>
+                <a:latin typeface="Okomito Next" pitchFamily="2" charset="77"/>
+                <a:cs typeface="Segoe UI Light" panose="020B0502040204020203" pitchFamily="34" charset="0"/>
+              </a:rPr>
+              <a:t>Batch</a:t>
+            </a:r>
+          </a:p>
+        </p:txBody>
+      </p:sp>
+      <p:sp>
+        <p:nvSpPr>
+          <p:cNvPr id="110" name="Oval 109">
+            <a:extLst>
+              <a:ext uri="{FF2B5EF4-FFF2-40B4-BE49-F238E27FC236}">
+                <a16:creationId xmlns:a16="http://schemas.microsoft.com/office/drawing/2014/main" id="{A409CC58-2612-0577-4BCB-3A7C9ED0CA9B}"/>
+              </a:ext>
+            </a:extLst>
+          </p:cNvPr>
+          <p:cNvSpPr/>
+          <p:nvPr/>
+        </p:nvSpPr>
+        <p:spPr>
+          <a:xfrm>
+            <a:off x="4166411" y="3370829"/>
+            <a:ext cx="437353" cy="414161"/>
+          </a:xfrm>
+          <a:prstGeom prst="ellipse">
+            <a:avLst/>
+          </a:prstGeom>
+          <a:solidFill>
+            <a:schemeClr val="accent4">
+              <a:lumMod val="40000"/>
+              <a:lumOff val="60000"/>
+            </a:schemeClr>
+          </a:solidFill>
+          <a:ln>
+            <a:noFill/>
+          </a:ln>
+        </p:spPr>
+        <p:style>
+          <a:lnRef idx="1">
+            <a:schemeClr val="accent1"/>
+          </a:lnRef>
+          <a:fillRef idx="3">
+            <a:schemeClr val="accent1"/>
+          </a:fillRef>
+          <a:effectRef idx="2">
+            <a:schemeClr val="accent1"/>
+          </a:effectRef>
+          <a:fontRef idx="minor">
+            <a:schemeClr val="lt1"/>
+          </a:fontRef>
+        </p:style>
+        <p:txBody>
+          <a:bodyPr lIns="0" tIns="0" rIns="0" bIns="0" rtlCol="0" anchor="ctr"/>
+          <a:lstStyle>
+            <a:defPPr>
+              <a:defRPr lang="de-DE"/>
+            </a:defPPr>
+            <a:lvl1pPr marL="0" algn="l" defTabSz="914400" rtl="0" eaLnBrk="1" latinLnBrk="0" hangingPunct="1">
+              <a:defRPr sz="1800" kern="1200">
+                <a:solidFill>
+                  <a:schemeClr val="lt1"/>
+                </a:solidFill>
+                <a:latin typeface="+mn-lt"/>
+                <a:ea typeface="+mn-ea"/>
+                <a:cs typeface="+mn-cs"/>
+              </a:defRPr>
+            </a:lvl1pPr>
+            <a:lvl2pPr marL="457200" algn="l" defTabSz="914400" rtl="0" eaLnBrk="1" latinLnBrk="0" hangingPunct="1">
+              <a:defRPr sz="1800" kern="1200">
+                <a:solidFill>
+                  <a:schemeClr val="lt1"/>
+                </a:solidFill>
+                <a:latin typeface="+mn-lt"/>
+                <a:ea typeface="+mn-ea"/>
+                <a:cs typeface="+mn-cs"/>
+              </a:defRPr>
+            </a:lvl2pPr>
+            <a:lvl3pPr marL="914400" algn="l" defTabSz="914400" rtl="0" eaLnBrk="1" latinLnBrk="0" hangingPunct="1">
+              <a:defRPr sz="1800" kern="1200">
+                <a:solidFill>
+                  <a:schemeClr val="lt1"/>
+                </a:solidFill>
+                <a:latin typeface="+mn-lt"/>
+                <a:ea typeface="+mn-ea"/>
+                <a:cs typeface="+mn-cs"/>
+              </a:defRPr>
+            </a:lvl3pPr>
+            <a:lvl4pPr marL="1371600" algn="l" defTabSz="914400" rtl="0" eaLnBrk="1" latinLnBrk="0" hangingPunct="1">
+              <a:defRPr sz="1800" kern="1200">
+                <a:solidFill>
+                  <a:schemeClr val="lt1"/>
+                </a:solidFill>
+                <a:latin typeface="+mn-lt"/>
+                <a:ea typeface="+mn-ea"/>
+                <a:cs typeface="+mn-cs"/>
+              </a:defRPr>
+            </a:lvl4pPr>
+            <a:lvl5pPr marL="1828800" algn="l" defTabSz="914400" rtl="0" eaLnBrk="1" latinLnBrk="0" hangingPunct="1">
+              <a:defRPr sz="1800" kern="1200">
+                <a:solidFill>
+                  <a:schemeClr val="lt1"/>
+                </a:solidFill>
+                <a:latin typeface="+mn-lt"/>
+                <a:ea typeface="+mn-ea"/>
+                <a:cs typeface="+mn-cs"/>
+              </a:defRPr>
+            </a:lvl5pPr>
+            <a:lvl6pPr marL="2286000" algn="l" defTabSz="914400" rtl="0" eaLnBrk="1" latinLnBrk="0" hangingPunct="1">
+              <a:defRPr sz="1800" kern="1200">
+                <a:solidFill>
+                  <a:schemeClr val="lt1"/>
+                </a:solidFill>
+                <a:latin typeface="+mn-lt"/>
+                <a:ea typeface="+mn-ea"/>
+                <a:cs typeface="+mn-cs"/>
+              </a:defRPr>
+            </a:lvl6pPr>
+            <a:lvl7pPr marL="2743200" algn="l" defTabSz="914400" rtl="0" eaLnBrk="1" latinLnBrk="0" hangingPunct="1">
+              <a:defRPr sz="1800" kern="1200">
+                <a:solidFill>
+                  <a:schemeClr val="lt1"/>
+                </a:solidFill>
+                <a:latin typeface="+mn-lt"/>
+                <a:ea typeface="+mn-ea"/>
+                <a:cs typeface="+mn-cs"/>
+              </a:defRPr>
+            </a:lvl7pPr>
+            <a:lvl8pPr marL="3200400" algn="l" defTabSz="914400" rtl="0" eaLnBrk="1" latinLnBrk="0" hangingPunct="1">
+              <a:defRPr sz="1800" kern="1200">
+                <a:solidFill>
+                  <a:schemeClr val="lt1"/>
+                </a:solidFill>
+                <a:latin typeface="+mn-lt"/>
+                <a:ea typeface="+mn-ea"/>
+                <a:cs typeface="+mn-cs"/>
+              </a:defRPr>
+            </a:lvl8pPr>
+            <a:lvl9pPr marL="3657600" algn="l" defTabSz="914400" rtl="0" eaLnBrk="1" latinLnBrk="0" hangingPunct="1">
+              <a:defRPr sz="1800" kern="1200">
+                <a:solidFill>
+                  <a:schemeClr val="lt1"/>
+                </a:solidFill>
+                <a:latin typeface="+mn-lt"/>
+                <a:ea typeface="+mn-ea"/>
+                <a:cs typeface="+mn-cs"/>
+              </a:defRPr>
+            </a:lvl9pPr>
+          </a:lstStyle>
+          <a:p>
+            <a:pPr algn="ctr" defTabSz="696773">
+              <a:tabLst>
+                <a:tab pos="228076" algn="l"/>
+              </a:tabLst>
+            </a:pPr>
+            <a:r>
+              <a:rPr lang="en-AU" sz="305" dirty="0">
+                <a:solidFill>
+                  <a:srgbClr val="000000"/>
+                </a:solidFill>
+                <a:latin typeface="Okomito Next" pitchFamily="2" charset="77"/>
+                <a:cs typeface="Segoe UI Light" panose="020B0502040204020203" pitchFamily="34" charset="0"/>
+              </a:rPr>
+              <a:t>Type</a:t>
+            </a:r>
+          </a:p>
+        </p:txBody>
+      </p:sp>
     </p:spTree>
     <p:extLst>
       <p:ext uri="{BB962C8B-B14F-4D97-AF65-F5344CB8AC3E}">

--- a/Documentation/PowerPoint/Images.pptx
+++ b/Documentation/PowerPoint/Images.pptx
@@ -11317,6 +11317,318 @@
           </a:p>
         </p:txBody>
       </p:sp>
+      <p:sp>
+        <p:nvSpPr>
+          <p:cNvPr id="5" name="Oval 4">
+            <a:extLst>
+              <a:ext uri="{FF2B5EF4-FFF2-40B4-BE49-F238E27FC236}">
+                <a16:creationId xmlns:a16="http://schemas.microsoft.com/office/drawing/2014/main" id="{40E5EE1D-BE77-CA54-8A3B-394EF2895C75}"/>
+              </a:ext>
+            </a:extLst>
+          </p:cNvPr>
+          <p:cNvSpPr/>
+          <p:nvPr/>
+        </p:nvSpPr>
+        <p:spPr>
+          <a:xfrm>
+            <a:off x="6275350" y="5256775"/>
+            <a:ext cx="1021668" cy="967491"/>
+          </a:xfrm>
+          <a:prstGeom prst="ellipse">
+            <a:avLst/>
+          </a:prstGeom>
+          <a:solidFill>
+            <a:schemeClr val="accent4">
+              <a:lumMod val="40000"/>
+              <a:lumOff val="60000"/>
+            </a:schemeClr>
+          </a:solidFill>
+          <a:ln>
+            <a:noFill/>
+          </a:ln>
+        </p:spPr>
+        <p:style>
+          <a:lnRef idx="1">
+            <a:schemeClr val="accent1"/>
+          </a:lnRef>
+          <a:fillRef idx="3">
+            <a:schemeClr val="accent1"/>
+          </a:fillRef>
+          <a:effectRef idx="2">
+            <a:schemeClr val="accent1"/>
+          </a:effectRef>
+          <a:fontRef idx="minor">
+            <a:schemeClr val="lt1"/>
+          </a:fontRef>
+        </p:style>
+        <p:txBody>
+          <a:bodyPr rtlCol="0" anchor="ctr"/>
+          <a:lstStyle>
+            <a:defPPr>
+              <a:defRPr lang="de-DE"/>
+            </a:defPPr>
+            <a:lvl1pPr marL="0" algn="l" defTabSz="914400" rtl="0" eaLnBrk="1" latinLnBrk="0" hangingPunct="1">
+              <a:defRPr sz="1800" kern="1200">
+                <a:solidFill>
+                  <a:schemeClr val="lt1"/>
+                </a:solidFill>
+                <a:latin typeface="+mn-lt"/>
+                <a:ea typeface="+mn-ea"/>
+                <a:cs typeface="+mn-cs"/>
+              </a:defRPr>
+            </a:lvl1pPr>
+            <a:lvl2pPr marL="457200" algn="l" defTabSz="914400" rtl="0" eaLnBrk="1" latinLnBrk="0" hangingPunct="1">
+              <a:defRPr sz="1800" kern="1200">
+                <a:solidFill>
+                  <a:schemeClr val="lt1"/>
+                </a:solidFill>
+                <a:latin typeface="+mn-lt"/>
+                <a:ea typeface="+mn-ea"/>
+                <a:cs typeface="+mn-cs"/>
+              </a:defRPr>
+            </a:lvl2pPr>
+            <a:lvl3pPr marL="914400" algn="l" defTabSz="914400" rtl="0" eaLnBrk="1" latinLnBrk="0" hangingPunct="1">
+              <a:defRPr sz="1800" kern="1200">
+                <a:solidFill>
+                  <a:schemeClr val="lt1"/>
+                </a:solidFill>
+                <a:latin typeface="+mn-lt"/>
+                <a:ea typeface="+mn-ea"/>
+                <a:cs typeface="+mn-cs"/>
+              </a:defRPr>
+            </a:lvl3pPr>
+            <a:lvl4pPr marL="1371600" algn="l" defTabSz="914400" rtl="0" eaLnBrk="1" latinLnBrk="0" hangingPunct="1">
+              <a:defRPr sz="1800" kern="1200">
+                <a:solidFill>
+                  <a:schemeClr val="lt1"/>
+                </a:solidFill>
+                <a:latin typeface="+mn-lt"/>
+                <a:ea typeface="+mn-ea"/>
+                <a:cs typeface="+mn-cs"/>
+              </a:defRPr>
+            </a:lvl4pPr>
+            <a:lvl5pPr marL="1828800" algn="l" defTabSz="914400" rtl="0" eaLnBrk="1" latinLnBrk="0" hangingPunct="1">
+              <a:defRPr sz="1800" kern="1200">
+                <a:solidFill>
+                  <a:schemeClr val="lt1"/>
+                </a:solidFill>
+                <a:latin typeface="+mn-lt"/>
+                <a:ea typeface="+mn-ea"/>
+                <a:cs typeface="+mn-cs"/>
+              </a:defRPr>
+            </a:lvl5pPr>
+            <a:lvl6pPr marL="2286000" algn="l" defTabSz="914400" rtl="0" eaLnBrk="1" latinLnBrk="0" hangingPunct="1">
+              <a:defRPr sz="1800" kern="1200">
+                <a:solidFill>
+                  <a:schemeClr val="lt1"/>
+                </a:solidFill>
+                <a:latin typeface="+mn-lt"/>
+                <a:ea typeface="+mn-ea"/>
+                <a:cs typeface="+mn-cs"/>
+              </a:defRPr>
+            </a:lvl6pPr>
+            <a:lvl7pPr marL="2743200" algn="l" defTabSz="914400" rtl="0" eaLnBrk="1" latinLnBrk="0" hangingPunct="1">
+              <a:defRPr sz="1800" kern="1200">
+                <a:solidFill>
+                  <a:schemeClr val="lt1"/>
+                </a:solidFill>
+                <a:latin typeface="+mn-lt"/>
+                <a:ea typeface="+mn-ea"/>
+                <a:cs typeface="+mn-cs"/>
+              </a:defRPr>
+            </a:lvl7pPr>
+            <a:lvl8pPr marL="3200400" algn="l" defTabSz="914400" rtl="0" eaLnBrk="1" latinLnBrk="0" hangingPunct="1">
+              <a:defRPr sz="1800" kern="1200">
+                <a:solidFill>
+                  <a:schemeClr val="lt1"/>
+                </a:solidFill>
+                <a:latin typeface="+mn-lt"/>
+                <a:ea typeface="+mn-ea"/>
+                <a:cs typeface="+mn-cs"/>
+              </a:defRPr>
+            </a:lvl8pPr>
+            <a:lvl9pPr marL="3657600" algn="l" defTabSz="914400" rtl="0" eaLnBrk="1" latinLnBrk="0" hangingPunct="1">
+              <a:defRPr sz="1800" kern="1200">
+                <a:solidFill>
+                  <a:schemeClr val="lt1"/>
+                </a:solidFill>
+                <a:latin typeface="+mn-lt"/>
+                <a:ea typeface="+mn-ea"/>
+                <a:cs typeface="+mn-cs"/>
+              </a:defRPr>
+            </a:lvl9pPr>
+          </a:lstStyle>
+          <a:p>
+            <a:pPr algn="ctr"/>
+            <a:r>
+              <a:rPr lang="en-AU" sz="900" dirty="0">
+                <a:solidFill>
+                  <a:schemeClr val="tx1"/>
+                </a:solidFill>
+                <a:latin typeface="Okomito Next" pitchFamily="2" charset="77"/>
+                <a:cs typeface="Segoe UI Light" panose="020B0502040204020203" pitchFamily="34" charset="0"/>
+              </a:rPr>
+              <a:t>Static data</a:t>
+            </a:r>
+          </a:p>
+        </p:txBody>
+      </p:sp>
+      <p:sp>
+        <p:nvSpPr>
+          <p:cNvPr id="8" name="Oval 7">
+            <a:extLst>
+              <a:ext uri="{FF2B5EF4-FFF2-40B4-BE49-F238E27FC236}">
+                <a16:creationId xmlns:a16="http://schemas.microsoft.com/office/drawing/2014/main" id="{2C25815F-9101-F22A-D961-2C9C87311F14}"/>
+              </a:ext>
+            </a:extLst>
+          </p:cNvPr>
+          <p:cNvSpPr/>
+          <p:nvPr/>
+        </p:nvSpPr>
+        <p:spPr>
+          <a:xfrm>
+            <a:off x="7347818" y="5256775"/>
+            <a:ext cx="1021668" cy="967491"/>
+          </a:xfrm>
+          <a:prstGeom prst="ellipse">
+            <a:avLst/>
+          </a:prstGeom>
+          <a:solidFill>
+            <a:schemeClr val="tx2">
+              <a:lumMod val="60000"/>
+              <a:lumOff val="40000"/>
+            </a:schemeClr>
+          </a:solidFill>
+          <a:ln>
+            <a:noFill/>
+          </a:ln>
+        </p:spPr>
+        <p:style>
+          <a:lnRef idx="1">
+            <a:schemeClr val="accent1"/>
+          </a:lnRef>
+          <a:fillRef idx="3">
+            <a:schemeClr val="accent1"/>
+          </a:fillRef>
+          <a:effectRef idx="2">
+            <a:schemeClr val="accent1"/>
+          </a:effectRef>
+          <a:fontRef idx="minor">
+            <a:schemeClr val="lt1"/>
+          </a:fontRef>
+        </p:style>
+        <p:txBody>
+          <a:bodyPr lIns="0" tIns="0" rIns="0" bIns="0" rtlCol="0" anchor="ctr"/>
+          <a:lstStyle>
+            <a:defPPr>
+              <a:defRPr lang="de-DE"/>
+            </a:defPPr>
+            <a:lvl1pPr marL="0" algn="l" defTabSz="914400" rtl="0" eaLnBrk="1" latinLnBrk="0" hangingPunct="1">
+              <a:defRPr sz="1800" kern="1200">
+                <a:solidFill>
+                  <a:schemeClr val="lt1"/>
+                </a:solidFill>
+                <a:latin typeface="+mn-lt"/>
+                <a:ea typeface="+mn-ea"/>
+                <a:cs typeface="+mn-cs"/>
+              </a:defRPr>
+            </a:lvl1pPr>
+            <a:lvl2pPr marL="457200" algn="l" defTabSz="914400" rtl="0" eaLnBrk="1" latinLnBrk="0" hangingPunct="1">
+              <a:defRPr sz="1800" kern="1200">
+                <a:solidFill>
+                  <a:schemeClr val="lt1"/>
+                </a:solidFill>
+                <a:latin typeface="+mn-lt"/>
+                <a:ea typeface="+mn-ea"/>
+                <a:cs typeface="+mn-cs"/>
+              </a:defRPr>
+            </a:lvl2pPr>
+            <a:lvl3pPr marL="914400" algn="l" defTabSz="914400" rtl="0" eaLnBrk="1" latinLnBrk="0" hangingPunct="1">
+              <a:defRPr sz="1800" kern="1200">
+                <a:solidFill>
+                  <a:schemeClr val="lt1"/>
+                </a:solidFill>
+                <a:latin typeface="+mn-lt"/>
+                <a:ea typeface="+mn-ea"/>
+                <a:cs typeface="+mn-cs"/>
+              </a:defRPr>
+            </a:lvl3pPr>
+            <a:lvl4pPr marL="1371600" algn="l" defTabSz="914400" rtl="0" eaLnBrk="1" latinLnBrk="0" hangingPunct="1">
+              <a:defRPr sz="1800" kern="1200">
+                <a:solidFill>
+                  <a:schemeClr val="lt1"/>
+                </a:solidFill>
+                <a:latin typeface="+mn-lt"/>
+                <a:ea typeface="+mn-ea"/>
+                <a:cs typeface="+mn-cs"/>
+              </a:defRPr>
+            </a:lvl4pPr>
+            <a:lvl5pPr marL="1828800" algn="l" defTabSz="914400" rtl="0" eaLnBrk="1" latinLnBrk="0" hangingPunct="1">
+              <a:defRPr sz="1800" kern="1200">
+                <a:solidFill>
+                  <a:schemeClr val="lt1"/>
+                </a:solidFill>
+                <a:latin typeface="+mn-lt"/>
+                <a:ea typeface="+mn-ea"/>
+                <a:cs typeface="+mn-cs"/>
+              </a:defRPr>
+            </a:lvl5pPr>
+            <a:lvl6pPr marL="2286000" algn="l" defTabSz="914400" rtl="0" eaLnBrk="1" latinLnBrk="0" hangingPunct="1">
+              <a:defRPr sz="1800" kern="1200">
+                <a:solidFill>
+                  <a:schemeClr val="lt1"/>
+                </a:solidFill>
+                <a:latin typeface="+mn-lt"/>
+                <a:ea typeface="+mn-ea"/>
+                <a:cs typeface="+mn-cs"/>
+              </a:defRPr>
+            </a:lvl6pPr>
+            <a:lvl7pPr marL="2743200" algn="l" defTabSz="914400" rtl="0" eaLnBrk="1" latinLnBrk="0" hangingPunct="1">
+              <a:defRPr sz="1800" kern="1200">
+                <a:solidFill>
+                  <a:schemeClr val="lt1"/>
+                </a:solidFill>
+                <a:latin typeface="+mn-lt"/>
+                <a:ea typeface="+mn-ea"/>
+                <a:cs typeface="+mn-cs"/>
+              </a:defRPr>
+            </a:lvl7pPr>
+            <a:lvl8pPr marL="3200400" algn="l" defTabSz="914400" rtl="0" eaLnBrk="1" latinLnBrk="0" hangingPunct="1">
+              <a:defRPr sz="1800" kern="1200">
+                <a:solidFill>
+                  <a:schemeClr val="lt1"/>
+                </a:solidFill>
+                <a:latin typeface="+mn-lt"/>
+                <a:ea typeface="+mn-ea"/>
+                <a:cs typeface="+mn-cs"/>
+              </a:defRPr>
+            </a:lvl8pPr>
+            <a:lvl9pPr marL="3657600" algn="l" defTabSz="914400" rtl="0" eaLnBrk="1" latinLnBrk="0" hangingPunct="1">
+              <a:defRPr sz="1800" kern="1200">
+                <a:solidFill>
+                  <a:schemeClr val="lt1"/>
+                </a:solidFill>
+                <a:latin typeface="+mn-lt"/>
+                <a:ea typeface="+mn-ea"/>
+                <a:cs typeface="+mn-cs"/>
+              </a:defRPr>
+            </a:lvl9pPr>
+          </a:lstStyle>
+          <a:p>
+            <a:pPr algn="ctr" defTabSz="696773"/>
+            <a:r>
+              <a:rPr lang="en-AU" sz="900" dirty="0">
+                <a:solidFill>
+                  <a:schemeClr val="tx1"/>
+                </a:solidFill>
+                <a:latin typeface="Okomito Next" pitchFamily="2" charset="77"/>
+                <a:cs typeface="Segoe UI Light" panose="020B0502040204020203" pitchFamily="34" charset="0"/>
+              </a:rPr>
+              <a:t>Runtime data</a:t>
+            </a:r>
+          </a:p>
+        </p:txBody>
+      </p:sp>
     </p:spTree>
     <p:extLst>
       <p:ext uri="{BB962C8B-B14F-4D97-AF65-F5344CB8AC3E}">

--- a/Documentation/PowerPoint/Images.pptx
+++ b/Documentation/PowerPoint/Images.pptx
@@ -112,6 +112,83 @@
 </p:presentation>
 </file>
 
+<file path=ppt/changesInfos/changesInfo1.xml><?xml version="1.0" encoding="utf-8"?>
+<pc:chgInfo xmlns:a="http://schemas.openxmlformats.org/drawingml/2006/main" xmlns:r="http://schemas.openxmlformats.org/officeDocument/2006/relationships" xmlns:ac="http://schemas.microsoft.com/office/drawing/2013/main/command" xmlns:pc="http://schemas.microsoft.com/office/powerpoint/2013/main/command">
+  <pc:docChgLst>
+    <pc:chgData name="Roelant Vos" userId="698b261a7a357bca" providerId="LiveId" clId="{B3FCAAFF-4CC8-429E-B267-461C6910F084}"/>
+    <pc:docChg chg="undo custSel modSld">
+      <pc:chgData name="Roelant Vos" userId="698b261a7a357bca" providerId="LiveId" clId="{B3FCAAFF-4CC8-429E-B267-461C6910F084}" dt="2024-09-25T07:20:43.584" v="8" actId="1076"/>
+      <pc:docMkLst>
+        <pc:docMk/>
+      </pc:docMkLst>
+      <pc:sldChg chg="modSp mod">
+        <pc:chgData name="Roelant Vos" userId="698b261a7a357bca" providerId="LiveId" clId="{B3FCAAFF-4CC8-429E-B267-461C6910F084}" dt="2024-09-25T07:20:43.584" v="8" actId="1076"/>
+        <pc:sldMkLst>
+          <pc:docMk/>
+          <pc:sldMk cId="2066917484" sldId="260"/>
+        </pc:sldMkLst>
+        <pc:spChg chg="mod">
+          <ac:chgData name="Roelant Vos" userId="698b261a7a357bca" providerId="LiveId" clId="{B3FCAAFF-4CC8-429E-B267-461C6910F084}" dt="2024-09-25T07:20:43.584" v="8" actId="1076"/>
+          <ac:spMkLst>
+            <pc:docMk/>
+            <pc:sldMk cId="2066917484" sldId="260"/>
+            <ac:spMk id="108" creationId="{2CB8AC33-5922-FD65-CCB7-C2C838F703D3}"/>
+          </ac:spMkLst>
+        </pc:spChg>
+        <pc:grpChg chg="mod">
+          <ac:chgData name="Roelant Vos" userId="698b261a7a357bca" providerId="LiveId" clId="{B3FCAAFF-4CC8-429E-B267-461C6910F084}" dt="2024-09-25T07:20:43.584" v="8" actId="1076"/>
+          <ac:grpSpMkLst>
+            <pc:docMk/>
+            <pc:sldMk cId="2066917484" sldId="260"/>
+            <ac:grpSpMk id="97" creationId="{10DB6FF2-6FB4-95CC-A6AB-867A4860BF34}"/>
+          </ac:grpSpMkLst>
+        </pc:grpChg>
+        <pc:grpChg chg="mod">
+          <ac:chgData name="Roelant Vos" userId="698b261a7a357bca" providerId="LiveId" clId="{B3FCAAFF-4CC8-429E-B267-461C6910F084}" dt="2024-09-25T07:20:43.584" v="8" actId="1076"/>
+          <ac:grpSpMkLst>
+            <pc:docMk/>
+            <pc:sldMk cId="2066917484" sldId="260"/>
+            <ac:grpSpMk id="103" creationId="{404A0051-B0A1-EB0B-A8C4-68E4D4169E9B}"/>
+          </ac:grpSpMkLst>
+        </pc:grpChg>
+        <pc:cxnChg chg="mod">
+          <ac:chgData name="Roelant Vos" userId="698b261a7a357bca" providerId="LiveId" clId="{B3FCAAFF-4CC8-429E-B267-461C6910F084}" dt="2024-09-25T07:19:53.109" v="1" actId="1076"/>
+          <ac:cxnSpMkLst>
+            <pc:docMk/>
+            <pc:sldMk cId="2066917484" sldId="260"/>
+            <ac:cxnSpMk id="33" creationId="{BA899A56-D7A6-F631-78B7-5714A35BBCCB}"/>
+          </ac:cxnSpMkLst>
+        </pc:cxnChg>
+        <pc:cxnChg chg="mod">
+          <ac:chgData name="Roelant Vos" userId="698b261a7a357bca" providerId="LiveId" clId="{B3FCAAFF-4CC8-429E-B267-461C6910F084}" dt="2024-09-25T07:19:53.109" v="1" actId="1076"/>
+          <ac:cxnSpMkLst>
+            <pc:docMk/>
+            <pc:sldMk cId="2066917484" sldId="260"/>
+            <ac:cxnSpMk id="34" creationId="{E2BE39B7-A69E-372E-496C-DE2F8E71C56A}"/>
+          </ac:cxnSpMkLst>
+        </pc:cxnChg>
+        <pc:cxnChg chg="mod">
+          <ac:chgData name="Roelant Vos" userId="698b261a7a357bca" providerId="LiveId" clId="{B3FCAAFF-4CC8-429E-B267-461C6910F084}" dt="2024-09-25T07:20:43.584" v="8" actId="1076"/>
+          <ac:cxnSpMkLst>
+            <pc:docMk/>
+            <pc:sldMk cId="2066917484" sldId="260"/>
+            <ac:cxnSpMk id="96" creationId="{0751F88D-6B31-C351-6A65-9CD7CBDAF119}"/>
+          </ac:cxnSpMkLst>
+        </pc:cxnChg>
+        <pc:cxnChg chg="mod">
+          <ac:chgData name="Roelant Vos" userId="698b261a7a357bca" providerId="LiveId" clId="{B3FCAAFF-4CC8-429E-B267-461C6910F084}" dt="2024-09-25T07:20:43.584" v="8" actId="1076"/>
+          <ac:cxnSpMkLst>
+            <pc:docMk/>
+            <pc:sldMk cId="2066917484" sldId="260"/>
+            <ac:cxnSpMk id="106" creationId="{273E17BD-6E90-9750-C18A-255E452D42DC}"/>
+          </ac:cxnSpMkLst>
+        </pc:cxnChg>
+      </pc:sldChg>
+    </pc:docChg>
+  </pc:docChgLst>
+</pc:chgInfo>
+</file>
+
 <file path=ppt/slideLayouts/slideLayout1.xml><?xml version="1.0" encoding="utf-8"?>
 <p:sldLayout xmlns:a="http://schemas.openxmlformats.org/drawingml/2006/main" xmlns:r="http://schemas.openxmlformats.org/officeDocument/2006/relationships" xmlns:p="http://schemas.openxmlformats.org/presentationml/2006/main" preserve="1" userDrawn="1">
   <p:cSld name="TED_Title_01">
@@ -299,7 +376,7 @@
           <a:p>
             <a:fld id="{E2517126-54E8-334E-8C6E-56CC8240E429}" type="datetime4">
               <a:rPr lang="de-DE" smtClean="0"/>
-              <a:t>23. September 2024</a:t>
+              <a:t>25. September 2024</a:t>
             </a:fld>
             <a:endParaRPr lang="de-DE"/>
           </a:p>
@@ -694,7 +771,7 @@
           <a:p>
             <a:fld id="{FF6CCA16-AAE8-CA4A-AC36-515622918C4B}" type="datetime4">
               <a:rPr lang="de-DE" smtClean="0"/>
-              <a:t>23. September 2024</a:t>
+              <a:t>25. September 2024</a:t>
             </a:fld>
             <a:endParaRPr lang="de-DE"/>
           </a:p>
@@ -1173,7 +1250,7 @@
           <a:p>
             <a:fld id="{FF6CCA16-AAE8-CA4A-AC36-515622918C4B}" type="datetime4">
               <a:rPr lang="de-DE" smtClean="0"/>
-              <a:t>23. September 2024</a:t>
+              <a:t>25. September 2024</a:t>
             </a:fld>
             <a:endParaRPr lang="de-DE"/>
           </a:p>
@@ -1650,7 +1727,7 @@
           <a:p>
             <a:fld id="{FF6CCA16-AAE8-CA4A-AC36-515622918C4B}" type="datetime4">
               <a:rPr lang="de-DE" smtClean="0"/>
-              <a:t>23. September 2024</a:t>
+              <a:t>25. September 2024</a:t>
             </a:fld>
             <a:endParaRPr lang="de-DE"/>
           </a:p>
@@ -1972,7 +2049,7 @@
           <a:p>
             <a:fld id="{99D044F4-C51D-0840-BB5C-7C7A9DAE8F31}" type="datetime4">
               <a:rPr lang="de-DE" smtClean="0"/>
-              <a:t>23. September 2024</a:t>
+              <a:t>25. September 2024</a:t>
             </a:fld>
             <a:endParaRPr lang="de-DE"/>
           </a:p>
@@ -2315,7 +2392,7 @@
           <a:p>
             <a:fld id="{28CFDB51-9F66-2341-863F-0B2767D04A19}" type="datetime4">
               <a:rPr lang="de-DE" smtClean="0"/>
-              <a:t>23. September 2024</a:t>
+              <a:t>25. September 2024</a:t>
             </a:fld>
             <a:endParaRPr lang="de-DE"/>
           </a:p>
@@ -2445,7 +2522,7 @@
           <a:p>
             <a:fld id="{5F588849-4C4B-DD42-877F-580377490B98}" type="datetime4">
               <a:rPr lang="de-DE" smtClean="0"/>
-              <a:t>23. September 2024</a:t>
+              <a:t>25. September 2024</a:t>
             </a:fld>
             <a:endParaRPr lang="de-DE"/>
           </a:p>
@@ -2590,7 +2667,7 @@
           <a:p>
             <a:fld id="{8A2C7106-F3C6-D246-B6AE-4C37A09F5C67}" type="datetime4">
               <a:rPr lang="de-DE" smtClean="0"/>
-              <a:t>23. September 2024</a:t>
+              <a:t>25. September 2024</a:t>
             </a:fld>
             <a:endParaRPr lang="de-DE"/>
           </a:p>
@@ -3863,7 +3940,7 @@
           <a:p>
             <a:fld id="{520274C3-B06C-8E4B-BB95-2D845AD05C47}" type="datetime4">
               <a:rPr lang="de-DE" smtClean="0"/>
-              <a:t>23. September 2024</a:t>
+              <a:t>25. September 2024</a:t>
             </a:fld>
             <a:endParaRPr lang="de-DE"/>
           </a:p>
@@ -4472,7 +4549,7 @@
           <a:p>
             <a:fld id="{27AEA90B-BD1B-074B-9A21-A3063B4D30A8}" type="datetime4">
               <a:rPr lang="de-DE" smtClean="0"/>
-              <a:t>23. September 2024</a:t>
+              <a:t>25. September 2024</a:t>
             </a:fld>
             <a:endParaRPr lang="de-DE"/>
           </a:p>
@@ -4660,7 +4737,7 @@
           <a:p>
             <a:fld id="{D6915503-ED8D-A444-A977-A40702F2EF90}" type="datetime4">
               <a:rPr lang="de-DE" smtClean="0"/>
-              <a:t>23. September 2024</a:t>
+              <a:t>25. September 2024</a:t>
             </a:fld>
             <a:endParaRPr lang="de-DE"/>
           </a:p>
@@ -4921,7 +4998,7 @@
             <a:fld id="{A6AB691F-35D7-FE47-BE54-7357E324D3B8}" type="datetime4">
               <a:rPr lang="de-DE" smtClean="0"/>
               <a:pPr/>
-              <a:t>23. September 2024</a:t>
+              <a:t>25. September 2024</a:t>
             </a:fld>
             <a:endParaRPr lang="de-DE"/>
           </a:p>
@@ -9406,7 +9483,7 @@
         </p:nvCxnSpPr>
         <p:spPr>
           <a:xfrm flipH="1" flipV="1">
-            <a:off x="6961895" y="2454194"/>
+            <a:off x="4427430" y="2474618"/>
             <a:ext cx="290363" cy="307581"/>
           </a:xfrm>
           <a:prstGeom prst="line">
@@ -9451,7 +9528,7 @@
         </p:nvGrpSpPr>
         <p:grpSpPr>
           <a:xfrm rot="8380990">
-            <a:off x="6868854" y="2486366"/>
+            <a:off x="4334389" y="2506790"/>
             <a:ext cx="95823" cy="85531"/>
             <a:chOff x="4677246" y="3178928"/>
             <a:chExt cx="224118" cy="200045"/>
@@ -9568,7 +9645,7 @@
         </p:nvCxnSpPr>
         <p:spPr>
           <a:xfrm flipH="1" flipV="1">
-            <a:off x="6897926" y="2510304"/>
+            <a:off x="4363461" y="2530728"/>
             <a:ext cx="289523" cy="311602"/>
           </a:xfrm>
           <a:prstGeom prst="line">
@@ -9788,7 +9865,7 @@
         </p:nvGrpSpPr>
         <p:grpSpPr>
           <a:xfrm rot="8380990">
-            <a:off x="6937303" y="2433850"/>
+            <a:off x="4402838" y="2454274"/>
             <a:ext cx="95823" cy="85531"/>
             <a:chOff x="4677246" y="3178928"/>
             <a:chExt cx="224118" cy="200045"/>
@@ -9903,7 +9980,7 @@
         </p:nvSpPr>
         <p:spPr>
           <a:xfrm>
-            <a:off x="6583830" y="2118146"/>
+            <a:off x="4049365" y="2138570"/>
             <a:ext cx="437353" cy="414161"/>
           </a:xfrm>
           <a:prstGeom prst="ellipse">
